--- a/learn-project-concurrent/src/main/resources/从码农到百万年薪.pptx
+++ b/learn-project-concurrent/src/main/resources/从码农到百万年薪.pptx
@@ -5,7 +5,7 @@
     <p:sldMasterId id="2147493455" r:id="rId4"/>
   </p:sldMasterIdLst>
   <p:notesMasterIdLst>
-    <p:notesMasterId r:id="rId36"/>
+    <p:notesMasterId r:id="rId37"/>
   </p:notesMasterIdLst>
   <p:sldIdLst>
     <p:sldId id="256" r:id="rId5"/>
@@ -37,8 +37,9 @@
     <p:sldId id="292" r:id="rId31"/>
     <p:sldId id="295" r:id="rId32"/>
     <p:sldId id="297" r:id="rId33"/>
-    <p:sldId id="294" r:id="rId34"/>
-    <p:sldId id="267" r:id="rId35"/>
+    <p:sldId id="301" r:id="rId34"/>
+    <p:sldId id="294" r:id="rId35"/>
+    <p:sldId id="267" r:id="rId36"/>
   </p:sldIdLst>
   <p:sldSz cx="12193588" cy="6858000"/>
   <p:notesSz cx="6858000" cy="9144000"/>
@@ -139,7 +140,7 @@
   </p:defaultTextStyle>
   <p:extLst>
     <p:ext uri="{EFAFB233-063F-42B5-8137-9DF3F51BA10A}">
-      <p15:sldGuideLst xmlns:p15="http://schemas.microsoft.com/office/powerpoint/2012/main" xmlns="">
+      <p15:sldGuideLst xmlns:p15="http://schemas.microsoft.com/office/powerpoint/2012/main">
         <p15:guide id="1" orient="horz" pos="2160" userDrawn="1">
           <p15:clr>
             <a:srgbClr val="A4A3A4"/>
@@ -1192,10 +1193,10 @@
   <dgm:cxnLst>
     <dgm:cxn modelId="{0F4D519A-421F-2647-8338-0915186EA37F}" type="presOf" srcId="{8070460F-CD86-4A47-9664-D5543F11B491}" destId="{6A6B83AD-40B3-4C05-82F5-CF10DF2005A8}" srcOrd="0" destOrd="0" presId="urn:microsoft.com/office/officeart/2009/layout/CircleArrowProcess"/>
     <dgm:cxn modelId="{652C1E3B-7DF1-40B0-B912-35053ECBA991}" srcId="{470E94F7-8F76-45AD-BADF-8168E6E45DA4}" destId="{8070460F-CD86-4A47-9664-D5543F11B491}" srcOrd="2" destOrd="0" parTransId="{732221BC-97B9-4A50-A4DC-7180158C3005}" sibTransId="{E9EB2BCB-F47D-432C-A5E3-60A62174D047}"/>
+    <dgm:cxn modelId="{B49528AD-0389-405D-9847-B14D16465F31}" srcId="{470E94F7-8F76-45AD-BADF-8168E6E45DA4}" destId="{6023D91B-3405-4F87-A1BA-4C7BC9F92001}" srcOrd="0" destOrd="0" parTransId="{BB54C2C4-60D6-4532-A584-F73038A57F52}" sibTransId="{A5727343-79DD-4F1E-9474-3F8A92A820C1}"/>
+    <dgm:cxn modelId="{EC8E09B3-73FA-D046-A802-AC9730176C4B}" type="presOf" srcId="{470E94F7-8F76-45AD-BADF-8168E6E45DA4}" destId="{89609AB6-0A51-4918-983D-5B8999D24664}" srcOrd="0" destOrd="0" presId="urn:microsoft.com/office/officeart/2009/layout/CircleArrowProcess"/>
     <dgm:cxn modelId="{51D9CD24-EBAA-3743-8580-6442A4FADE69}" type="presOf" srcId="{DFBF3E8B-FE55-4872-8E55-D1A022369590}" destId="{B5558B2F-3323-4D3B-88E6-849B9009CDDB}" srcOrd="0" destOrd="0" presId="urn:microsoft.com/office/officeart/2009/layout/CircleArrowProcess"/>
-    <dgm:cxn modelId="{B49528AD-0389-405D-9847-B14D16465F31}" srcId="{470E94F7-8F76-45AD-BADF-8168E6E45DA4}" destId="{6023D91B-3405-4F87-A1BA-4C7BC9F92001}" srcOrd="0" destOrd="0" parTransId="{BB54C2C4-60D6-4532-A584-F73038A57F52}" sibTransId="{A5727343-79DD-4F1E-9474-3F8A92A820C1}"/>
     <dgm:cxn modelId="{9ADAB77D-70E2-3F4C-B688-5A460B1DCC15}" type="presOf" srcId="{6023D91B-3405-4F87-A1BA-4C7BC9F92001}" destId="{C9789C5E-E474-45BD-A638-F8E3329BC87E}" srcOrd="0" destOrd="0" presId="urn:microsoft.com/office/officeart/2009/layout/CircleArrowProcess"/>
-    <dgm:cxn modelId="{EC8E09B3-73FA-D046-A802-AC9730176C4B}" type="presOf" srcId="{470E94F7-8F76-45AD-BADF-8168E6E45DA4}" destId="{89609AB6-0A51-4918-983D-5B8999D24664}" srcOrd="0" destOrd="0" presId="urn:microsoft.com/office/officeart/2009/layout/CircleArrowProcess"/>
     <dgm:cxn modelId="{271F27AF-4BE2-4B1A-AC45-DFCAEE8474D1}" srcId="{470E94F7-8F76-45AD-BADF-8168E6E45DA4}" destId="{DFBF3E8B-FE55-4872-8E55-D1A022369590}" srcOrd="1" destOrd="0" parTransId="{7BB86645-ACDC-4933-A483-795CB8BBB108}" sibTransId="{76046399-3482-4F8D-A1D9-F474E847A2FB}"/>
     <dgm:cxn modelId="{7C5588C3-AA68-2C43-9753-2FD70A18C373}" type="presParOf" srcId="{89609AB6-0A51-4918-983D-5B8999D24664}" destId="{21E1DC4A-E902-401F-8ED2-4D57A8C538B9}" srcOrd="0" destOrd="0" presId="urn:microsoft.com/office/officeart/2009/layout/CircleArrowProcess"/>
     <dgm:cxn modelId="{C440E49C-C65C-D848-A17C-A52F34A3D280}" type="presParOf" srcId="{21E1DC4A-E902-401F-8ED2-4D57A8C538B9}" destId="{B211517F-F7F0-4A7A-B6CF-5ABCA59AC9F8}" srcOrd="0" destOrd="0" presId="urn:microsoft.com/office/officeart/2009/layout/CircleArrowProcess"/>
@@ -1211,382 +1212,20 @@
   <dgm:whole/>
   <dgm:extLst>
     <a:ext uri="http://schemas.microsoft.com/office/drawing/2008/diagram">
-      <dsp:dataModelExt xmlns:dsp="http://schemas.microsoft.com/office/drawing/2008/diagram" xmlns="" relId="rId6" minVer="http://schemas.openxmlformats.org/drawingml/2006/diagram"/>
+      <dsp:dataModelExt xmlns:dsp="http://schemas.microsoft.com/office/drawing/2008/diagram" relId="rId6" minVer="http://schemas.openxmlformats.org/drawingml/2006/diagram"/>
     </a:ext>
   </dgm:extLst>
 </dgm:dataModel>
 </file>
 
 <file path=ppt/diagrams/drawing1.xml><?xml version="1.0" encoding="utf-8"?>
-<dsp:drawing xmlns:dgm="http://schemas.openxmlformats.org/drawingml/2006/diagram" xmlns:a="http://schemas.openxmlformats.org/drawingml/2006/main" xmlns:dsp="http://schemas.microsoft.com/office/drawing/2008/diagram">
+<dsp:drawing xmlns:dgm="http://schemas.openxmlformats.org/drawingml/2006/diagram" xmlns:dsp="http://schemas.microsoft.com/office/drawing/2008/diagram" xmlns:a="http://schemas.openxmlformats.org/drawingml/2006/main">
   <dsp:spTree>
     <dsp:nvGrpSpPr>
       <dsp:cNvPr id="0" name=""/>
       <dsp:cNvGrpSpPr/>
     </dsp:nvGrpSpPr>
     <dsp:grpSpPr/>
-    <dsp:sp modelId="{B211517F-F7F0-4A7A-B6CF-5ABCA59AC9F8}">
-      <dsp:nvSpPr>
-        <dsp:cNvPr id="0" name=""/>
-        <dsp:cNvSpPr/>
-      </dsp:nvSpPr>
-      <dsp:spPr>
-        <a:xfrm>
-          <a:off x="2588873" y="0"/>
-          <a:ext cx="2162681" cy="2163010"/>
-        </a:xfrm>
-        <a:prstGeom prst="circularArrow">
-          <a:avLst>
-            <a:gd name="adj1" fmla="val 10980"/>
-            <a:gd name="adj2" fmla="val 1142322"/>
-            <a:gd name="adj3" fmla="val 4500000"/>
-            <a:gd name="adj4" fmla="val 10800000"/>
-            <a:gd name="adj5" fmla="val 12500"/>
-          </a:avLst>
-        </a:prstGeom>
-        <a:solidFill>
-          <a:srgbClr val="2A2A2A"/>
-        </a:solidFill>
-        <a:ln w="25400" cap="flat" cmpd="sng" algn="ctr">
-          <a:solidFill>
-            <a:schemeClr val="lt1">
-              <a:hueOff val="0"/>
-              <a:satOff val="0"/>
-              <a:lumOff val="0"/>
-              <a:alphaOff val="0"/>
-            </a:schemeClr>
-          </a:solidFill>
-          <a:prstDash val="solid"/>
-        </a:ln>
-        <a:effectLst/>
-      </dsp:spPr>
-      <dsp:style>
-        <a:lnRef idx="2">
-          <a:scrgbClr r="0" g="0" b="0"/>
-        </a:lnRef>
-        <a:fillRef idx="1">
-          <a:scrgbClr r="0" g="0" b="0"/>
-        </a:fillRef>
-        <a:effectRef idx="0">
-          <a:scrgbClr r="0" g="0" b="0"/>
-        </a:effectRef>
-        <a:fontRef idx="minor">
-          <a:schemeClr val="lt1"/>
-        </a:fontRef>
-      </dsp:style>
-    </dsp:sp>
-    <dsp:sp modelId="{C9789C5E-E474-45BD-A638-F8E3329BC87E}">
-      <dsp:nvSpPr>
-        <dsp:cNvPr id="0" name=""/>
-        <dsp:cNvSpPr/>
-      </dsp:nvSpPr>
-      <dsp:spPr>
-        <a:xfrm>
-          <a:off x="3066897" y="780912"/>
-          <a:ext cx="1201760" cy="600736"/>
-        </a:xfrm>
-        <a:prstGeom prst="rect">
-          <a:avLst/>
-        </a:prstGeom>
-        <a:noFill/>
-        <a:ln>
-          <a:noFill/>
-        </a:ln>
-        <a:effectLst/>
-      </dsp:spPr>
-      <dsp:style>
-        <a:lnRef idx="0">
-          <a:scrgbClr r="0" g="0" b="0"/>
-        </a:lnRef>
-        <a:fillRef idx="0">
-          <a:scrgbClr r="0" g="0" b="0"/>
-        </a:fillRef>
-        <a:effectRef idx="0">
-          <a:scrgbClr r="0" g="0" b="0"/>
-        </a:effectRef>
-        <a:fontRef idx="minor"/>
-      </dsp:style>
-      <dsp:txBody>
-        <a:bodyPr spcFirstLastPara="0" vert="horz" wrap="square" lIns="12700" tIns="12700" rIns="12700" bIns="12700" numCol="1" spcCol="1270" anchor="ctr" anchorCtr="0">
-          <a:noAutofit/>
-        </a:bodyPr>
-        <a:lstStyle/>
-        <a:p>
-          <a:pPr lvl="0" algn="ctr" defTabSz="889000">
-            <a:lnSpc>
-              <a:spcPct val="90000"/>
-            </a:lnSpc>
-            <a:spcBef>
-              <a:spcPct val="0"/>
-            </a:spcBef>
-            <a:spcAft>
-              <a:spcPct val="35000"/>
-            </a:spcAft>
-          </a:pPr>
-          <a:r>
-            <a:rPr lang="en-US" altLang="zh-CN" sz="2000" b="1" kern="1200" dirty="0" smtClean="0">
-              <a:solidFill>
-                <a:srgbClr val="2A2A2A"/>
-              </a:solidFill>
-            </a:rPr>
-            <a:t>Java</a:t>
-          </a:r>
-          <a:r>
-            <a:rPr lang="zh-CN" altLang="en-US" sz="2000" b="1" kern="1200" dirty="0" smtClean="0">
-              <a:solidFill>
-                <a:srgbClr val="2A2A2A"/>
-              </a:solidFill>
-            </a:rPr>
-            <a:t>代码</a:t>
-          </a:r>
-          <a:endParaRPr lang="zh-CN" altLang="en-US" sz="2000" b="1" kern="1200" dirty="0">
-            <a:solidFill>
-              <a:srgbClr val="2A2A2A"/>
-            </a:solidFill>
-          </a:endParaRPr>
-        </a:p>
-      </dsp:txBody>
-      <dsp:txXfrm>
-        <a:off x="3066897" y="780912"/>
-        <a:ext cx="1201760" cy="600736"/>
-      </dsp:txXfrm>
-    </dsp:sp>
-    <dsp:sp modelId="{81CC1E92-A646-4FD3-9EA3-BD22D130182F}">
-      <dsp:nvSpPr>
-        <dsp:cNvPr id="0" name=""/>
-        <dsp:cNvSpPr/>
-      </dsp:nvSpPr>
-      <dsp:spPr>
-        <a:xfrm>
-          <a:off x="1988196" y="1242809"/>
-          <a:ext cx="2162681" cy="2163010"/>
-        </a:xfrm>
-        <a:prstGeom prst="leftCircularArrow">
-          <a:avLst>
-            <a:gd name="adj1" fmla="val 10980"/>
-            <a:gd name="adj2" fmla="val 1142322"/>
-            <a:gd name="adj3" fmla="val 6300000"/>
-            <a:gd name="adj4" fmla="val 18900000"/>
-            <a:gd name="adj5" fmla="val 12500"/>
-          </a:avLst>
-        </a:prstGeom>
-        <a:solidFill>
-          <a:schemeClr val="bg1">
-            <a:lumMod val="50000"/>
-          </a:schemeClr>
-        </a:solidFill>
-        <a:ln w="25400" cap="flat" cmpd="sng" algn="ctr">
-          <a:solidFill>
-            <a:schemeClr val="lt1">
-              <a:hueOff val="0"/>
-              <a:satOff val="0"/>
-              <a:lumOff val="0"/>
-              <a:alphaOff val="0"/>
-            </a:schemeClr>
-          </a:solidFill>
-          <a:prstDash val="solid"/>
-        </a:ln>
-        <a:effectLst/>
-      </dsp:spPr>
-      <dsp:style>
-        <a:lnRef idx="2">
-          <a:scrgbClr r="0" g="0" b="0"/>
-        </a:lnRef>
-        <a:fillRef idx="1">
-          <a:scrgbClr r="0" g="0" b="0"/>
-        </a:fillRef>
-        <a:effectRef idx="0">
-          <a:scrgbClr r="0" g="0" b="0"/>
-        </a:effectRef>
-        <a:fontRef idx="minor">
-          <a:schemeClr val="lt1"/>
-        </a:fontRef>
-      </dsp:style>
-    </dsp:sp>
-    <dsp:sp modelId="{B5558B2F-3323-4D3B-88E6-849B9009CDDB}">
-      <dsp:nvSpPr>
-        <dsp:cNvPr id="0" name=""/>
-        <dsp:cNvSpPr/>
-      </dsp:nvSpPr>
-      <dsp:spPr>
-        <a:xfrm>
-          <a:off x="2468656" y="2030911"/>
-          <a:ext cx="1201760" cy="600736"/>
-        </a:xfrm>
-        <a:prstGeom prst="rect">
-          <a:avLst/>
-        </a:prstGeom>
-        <a:noFill/>
-        <a:ln>
-          <a:noFill/>
-        </a:ln>
-        <a:effectLst/>
-      </dsp:spPr>
-      <dsp:style>
-        <a:lnRef idx="0">
-          <a:scrgbClr r="0" g="0" b="0"/>
-        </a:lnRef>
-        <a:fillRef idx="0">
-          <a:scrgbClr r="0" g="0" b="0"/>
-        </a:fillRef>
-        <a:effectRef idx="0">
-          <a:scrgbClr r="0" g="0" b="0"/>
-        </a:effectRef>
-        <a:fontRef idx="minor"/>
-      </dsp:style>
-      <dsp:txBody>
-        <a:bodyPr spcFirstLastPara="0" vert="horz" wrap="square" lIns="12700" tIns="12700" rIns="12700" bIns="12700" numCol="1" spcCol="1270" anchor="ctr" anchorCtr="0">
-          <a:noAutofit/>
-        </a:bodyPr>
-        <a:lstStyle/>
-        <a:p>
-          <a:pPr lvl="0" algn="ctr" defTabSz="889000">
-            <a:lnSpc>
-              <a:spcPct val="90000"/>
-            </a:lnSpc>
-            <a:spcBef>
-              <a:spcPct val="0"/>
-            </a:spcBef>
-            <a:spcAft>
-              <a:spcPct val="35000"/>
-            </a:spcAft>
-          </a:pPr>
-          <a:r>
-            <a:rPr lang="zh-CN" altLang="en-US" sz="2000" kern="1200" dirty="0" smtClean="0">
-              <a:solidFill>
-                <a:srgbClr val="2A2A2A"/>
-              </a:solidFill>
-            </a:rPr>
-            <a:t>字节码</a:t>
-          </a:r>
-          <a:endParaRPr lang="zh-CN" altLang="en-US" sz="2000" kern="1200" dirty="0">
-            <a:solidFill>
-              <a:srgbClr val="2A2A2A"/>
-            </a:solidFill>
-          </a:endParaRPr>
-        </a:p>
-      </dsp:txBody>
-      <dsp:txXfrm>
-        <a:off x="2468656" y="2030911"/>
-        <a:ext cx="1201760" cy="600736"/>
-      </dsp:txXfrm>
-    </dsp:sp>
-    <dsp:sp modelId="{26B2FC09-E8FE-4F60-A886-8159F9EDF77E}">
-      <dsp:nvSpPr>
-        <dsp:cNvPr id="0" name=""/>
-        <dsp:cNvSpPr/>
-      </dsp:nvSpPr>
-      <dsp:spPr>
-        <a:xfrm>
-          <a:off x="2742799" y="2634343"/>
-          <a:ext cx="1858078" cy="1858823"/>
-        </a:xfrm>
-        <a:prstGeom prst="blockArc">
-          <a:avLst>
-            <a:gd name="adj1" fmla="val 13500000"/>
-            <a:gd name="adj2" fmla="val 10800000"/>
-            <a:gd name="adj3" fmla="val 12740"/>
-          </a:avLst>
-        </a:prstGeom>
-        <a:solidFill>
-          <a:srgbClr val="2A2A2A"/>
-        </a:solidFill>
-        <a:ln w="25400" cap="flat" cmpd="sng" algn="ctr">
-          <a:solidFill>
-            <a:schemeClr val="lt1">
-              <a:hueOff val="0"/>
-              <a:satOff val="0"/>
-              <a:lumOff val="0"/>
-              <a:alphaOff val="0"/>
-            </a:schemeClr>
-          </a:solidFill>
-          <a:prstDash val="solid"/>
-        </a:ln>
-        <a:effectLst/>
-      </dsp:spPr>
-      <dsp:style>
-        <a:lnRef idx="2">
-          <a:scrgbClr r="0" g="0" b="0"/>
-        </a:lnRef>
-        <a:fillRef idx="1">
-          <a:scrgbClr r="0" g="0" b="0"/>
-        </a:fillRef>
-        <a:effectRef idx="0">
-          <a:scrgbClr r="0" g="0" b="0"/>
-        </a:effectRef>
-        <a:fontRef idx="minor">
-          <a:schemeClr val="lt1"/>
-        </a:fontRef>
-      </dsp:style>
-    </dsp:sp>
-    <dsp:sp modelId="{6A6B83AD-40B3-4C05-82F5-CF10DF2005A8}">
-      <dsp:nvSpPr>
-        <dsp:cNvPr id="0" name=""/>
-        <dsp:cNvSpPr/>
-      </dsp:nvSpPr>
-      <dsp:spPr>
-        <a:xfrm>
-          <a:off x="3069739" y="3282707"/>
-          <a:ext cx="1201760" cy="600736"/>
-        </a:xfrm>
-        <a:prstGeom prst="rect">
-          <a:avLst/>
-        </a:prstGeom>
-        <a:noFill/>
-        <a:ln>
-          <a:noFill/>
-        </a:ln>
-        <a:effectLst/>
-      </dsp:spPr>
-      <dsp:style>
-        <a:lnRef idx="0">
-          <a:scrgbClr r="0" g="0" b="0"/>
-        </a:lnRef>
-        <a:fillRef idx="0">
-          <a:scrgbClr r="0" g="0" b="0"/>
-        </a:fillRef>
-        <a:effectRef idx="0">
-          <a:scrgbClr r="0" g="0" b="0"/>
-        </a:effectRef>
-        <a:fontRef idx="minor"/>
-      </dsp:style>
-      <dsp:txBody>
-        <a:bodyPr spcFirstLastPara="0" vert="horz" wrap="square" lIns="12700" tIns="12700" rIns="12700" bIns="12700" numCol="1" spcCol="1270" anchor="ctr" anchorCtr="0">
-          <a:noAutofit/>
-        </a:bodyPr>
-        <a:lstStyle/>
-        <a:p>
-          <a:pPr lvl="0" algn="ctr" defTabSz="889000">
-            <a:lnSpc>
-              <a:spcPct val="90000"/>
-            </a:lnSpc>
-            <a:spcBef>
-              <a:spcPct val="0"/>
-            </a:spcBef>
-            <a:spcAft>
-              <a:spcPct val="35000"/>
-            </a:spcAft>
-          </a:pPr>
-          <a:r>
-            <a:rPr lang="zh-CN" altLang="en-US" sz="2000" kern="1200" dirty="0" smtClean="0">
-              <a:solidFill>
-                <a:srgbClr val="2A2A2A"/>
-              </a:solidFill>
-            </a:rPr>
-            <a:t>汇编指令</a:t>
-          </a:r>
-          <a:endParaRPr lang="zh-CN" altLang="en-US" sz="2000" kern="1200" dirty="0">
-            <a:solidFill>
-              <a:srgbClr val="2A2A2A"/>
-            </a:solidFill>
-          </a:endParaRPr>
-        </a:p>
-      </dsp:txBody>
-      <dsp:txXfrm>
-        <a:off x="3069739" y="3282707"/>
-        <a:ext cx="1201760" cy="600736"/>
-      </dsp:txXfrm>
-    </dsp:sp>
   </dsp:spTree>
 </dsp:drawing>
 </file>
@@ -4784,7 +4423,7 @@
             <a:fld id="{725A60A4-BF96-CF41-A1B3-E3F3623CC63B}" type="datetimeFigureOut">
               <a:rPr kumimoji="1" lang="zh-CN" altLang="en-US" smtClean="0"/>
               <a:pPr/>
-              <a:t>2020/9/27</a:t>
+              <a:t>2020/9/29</a:t>
             </a:fld>
             <a:endParaRPr kumimoji="1" lang="zh-CN" altLang="en-US"/>
           </a:p>
@@ -4953,7 +4592,7 @@
     </p:spTree>
     <p:extLst>
       <p:ext uri="{BB962C8B-B14F-4D97-AF65-F5344CB8AC3E}">
-        <p14:creationId xmlns:p14="http://schemas.microsoft.com/office/powerpoint/2010/main" xmlns="" val="1176911340"/>
+        <p14:creationId xmlns:p14="http://schemas.microsoft.com/office/powerpoint/2010/main" val="1176911340"/>
       </p:ext>
     </p:extLst>
   </p:cSld>
@@ -5081,7 +4720,7 @@
     </p:spTree>
     <p:extLst>
       <p:ext uri="{BB962C8B-B14F-4D97-AF65-F5344CB8AC3E}">
-        <p14:creationId xmlns:p14="http://schemas.microsoft.com/office/powerpoint/2010/main" xmlns="" val="1728351486"/>
+        <p14:creationId xmlns:p14="http://schemas.microsoft.com/office/powerpoint/2010/main" val="1728351486"/>
       </p:ext>
     </p:extLst>
   </p:cSld>
@@ -5119,7 +4758,7 @@
     </p:spTree>
     <p:extLst>
       <p:ext uri="{BB962C8B-B14F-4D97-AF65-F5344CB8AC3E}">
-        <p14:creationId xmlns:p14="http://schemas.microsoft.com/office/powerpoint/2010/main" xmlns="" val="806261815"/>
+        <p14:creationId xmlns:p14="http://schemas.microsoft.com/office/powerpoint/2010/main" val="806261815"/>
       </p:ext>
     </p:extLst>
   </p:cSld>
@@ -5825,7 +5464,7 @@
     </p:spTree>
     <p:extLst>
       <p:ext uri="{BB962C8B-B14F-4D97-AF65-F5344CB8AC3E}">
-        <p14:creationId xmlns:p14="http://schemas.microsoft.com/office/powerpoint/2010/main" xmlns="" val="3861852862"/>
+        <p14:creationId xmlns:p14="http://schemas.microsoft.com/office/powerpoint/2010/main" val="3861852862"/>
       </p:ext>
     </p:extLst>
   </p:cSld>
@@ -5930,7 +5569,7 @@
           <a:blip r:embed="rId3">
             <a:extLst>
               <a:ext uri="{28A0092B-C50C-407E-A947-70E740481C1C}">
-                <a14:useLocalDpi xmlns:a14="http://schemas.microsoft.com/office/drawing/2010/main" xmlns="" val="0"/>
+                <a14:useLocalDpi xmlns:a14="http://schemas.microsoft.com/office/drawing/2010/main" val="0"/>
               </a:ext>
             </a:extLst>
           </a:blip>
@@ -5951,20 +5590,20 @@
     </p:spTree>
     <p:extLst>
       <p:ext uri="{BB962C8B-B14F-4D97-AF65-F5344CB8AC3E}">
-        <p14:creationId xmlns:p14="http://schemas.microsoft.com/office/powerpoint/2010/main" xmlns="" val="2999729600"/>
+        <p14:creationId xmlns:p14="http://schemas.microsoft.com/office/powerpoint/2010/main" val="2999729600"/>
       </p:ext>
     </p:extLst>
   </p:cSld>
   <p:clrMapOvr>
     <a:masterClrMapping/>
   </p:clrMapOvr>
-  <mc:AlternateContent xmlns:mc="http://schemas.openxmlformats.org/markup-compatibility/2006">
-    <mc:Choice xmlns:p14="http://schemas.microsoft.com/office/powerpoint/2010/main" xmlns="" Requires="p14">
+  <mc:AlternateContent xmlns:mc="http://schemas.openxmlformats.org/markup-compatibility/2006" xmlns:p14="http://schemas.microsoft.com/office/powerpoint/2010/main">
+    <mc:Choice Requires="p14">
       <p:transition spd="med" p14:dur="700">
         <p:fade/>
       </p:transition>
     </mc:Choice>
-    <mc:Fallback>
+    <mc:Fallback xmlns="">
       <p:transition spd="med">
         <p:fade/>
       </p:transition>
@@ -6005,7 +5644,7 @@
     </p:spTree>
     <p:extLst>
       <p:ext uri="{BB962C8B-B14F-4D97-AF65-F5344CB8AC3E}">
-        <p14:creationId xmlns:p14="http://schemas.microsoft.com/office/powerpoint/2010/main" xmlns="" val="3693843513"/>
+        <p14:creationId xmlns:p14="http://schemas.microsoft.com/office/powerpoint/2010/main" val="3693843513"/>
       </p:ext>
     </p:extLst>
   </p:cSld>
@@ -6527,20 +6166,20 @@
     </p:spTree>
     <p:extLst>
       <p:ext uri="{BB962C8B-B14F-4D97-AF65-F5344CB8AC3E}">
-        <p14:creationId xmlns:p14="http://schemas.microsoft.com/office/powerpoint/2010/main" xmlns="" val="2362171749"/>
+        <p14:creationId xmlns:p14="http://schemas.microsoft.com/office/powerpoint/2010/main" val="2362171749"/>
       </p:ext>
     </p:extLst>
   </p:cSld>
   <p:clrMapOvr>
     <a:masterClrMapping/>
   </p:clrMapOvr>
-  <mc:AlternateContent xmlns:mc="http://schemas.openxmlformats.org/markup-compatibility/2006">
-    <mc:Choice xmlns:p14="http://schemas.microsoft.com/office/powerpoint/2010/main" xmlns="" Requires="p14">
+  <mc:AlternateContent xmlns:mc="http://schemas.openxmlformats.org/markup-compatibility/2006" xmlns:p14="http://schemas.microsoft.com/office/powerpoint/2010/main">
+    <mc:Choice Requires="p14">
       <p:transition spd="slow" p14:dur="1500">
         <p14:window dir="vert"/>
       </p:transition>
     </mc:Choice>
-    <mc:Fallback>
+    <mc:Fallback xmlns="">
       <p:transition spd="slow">
         <p:fade/>
       </p:transition>
@@ -7508,20 +7147,20 @@
     </p:spTree>
     <p:extLst>
       <p:ext uri="{BB962C8B-B14F-4D97-AF65-F5344CB8AC3E}">
-        <p14:creationId xmlns:p14="http://schemas.microsoft.com/office/powerpoint/2010/main" xmlns="" val="2689717865"/>
+        <p14:creationId xmlns:p14="http://schemas.microsoft.com/office/powerpoint/2010/main" val="2689717865"/>
       </p:ext>
     </p:extLst>
   </p:cSld>
   <p:clrMapOvr>
     <a:masterClrMapping/>
   </p:clrMapOvr>
-  <mc:AlternateContent xmlns:mc="http://schemas.openxmlformats.org/markup-compatibility/2006">
-    <mc:Choice xmlns:p14="http://schemas.microsoft.com/office/powerpoint/2010/main" xmlns="" Requires="p14">
+  <mc:AlternateContent xmlns:mc="http://schemas.openxmlformats.org/markup-compatibility/2006" xmlns:p14="http://schemas.microsoft.com/office/powerpoint/2010/main">
+    <mc:Choice Requires="p14">
       <p:transition spd="med" p14:dur="700">
         <p:fade/>
       </p:transition>
     </mc:Choice>
-    <mc:Fallback>
+    <mc:Fallback xmlns="">
       <p:transition spd="med">
         <p:fade/>
       </p:transition>
@@ -7866,20 +7505,20 @@
     </p:spTree>
     <p:extLst>
       <p:ext uri="{BB962C8B-B14F-4D97-AF65-F5344CB8AC3E}">
-        <p14:creationId xmlns:p14="http://schemas.microsoft.com/office/powerpoint/2010/main" xmlns="" val="1316635864"/>
+        <p14:creationId xmlns:p14="http://schemas.microsoft.com/office/powerpoint/2010/main" val="1316635864"/>
       </p:ext>
     </p:extLst>
   </p:cSld>
   <p:clrMapOvr>
     <a:masterClrMapping/>
   </p:clrMapOvr>
-  <mc:AlternateContent xmlns:mc="http://schemas.openxmlformats.org/markup-compatibility/2006">
-    <mc:Choice xmlns:p14="http://schemas.microsoft.com/office/powerpoint/2010/main" xmlns="" Requires="p14">
+  <mc:AlternateContent xmlns:mc="http://schemas.openxmlformats.org/markup-compatibility/2006" xmlns:p14="http://schemas.microsoft.com/office/powerpoint/2010/main">
+    <mc:Choice Requires="p14">
       <p:transition spd="med" p14:dur="700">
         <p:fade/>
       </p:transition>
     </mc:Choice>
-    <mc:Fallback>
+    <mc:Fallback xmlns="">
       <p:transition spd="med">
         <p:fade/>
       </p:transition>
@@ -8084,20 +7723,20 @@
     </p:spTree>
     <p:extLst>
       <p:ext uri="{BB962C8B-B14F-4D97-AF65-F5344CB8AC3E}">
-        <p14:creationId xmlns:p14="http://schemas.microsoft.com/office/powerpoint/2010/main" xmlns="" val="115478614"/>
+        <p14:creationId xmlns:p14="http://schemas.microsoft.com/office/powerpoint/2010/main" val="115478614"/>
       </p:ext>
     </p:extLst>
   </p:cSld>
   <p:clrMapOvr>
     <a:masterClrMapping/>
   </p:clrMapOvr>
-  <mc:AlternateContent xmlns:mc="http://schemas.openxmlformats.org/markup-compatibility/2006">
-    <mc:Choice xmlns:p14="http://schemas.microsoft.com/office/powerpoint/2010/main" xmlns="" Requires="p14">
+  <mc:AlternateContent xmlns:mc="http://schemas.openxmlformats.org/markup-compatibility/2006" xmlns:p14="http://schemas.microsoft.com/office/powerpoint/2010/main">
+    <mc:Choice Requires="p14">
       <p:transition spd="med" p14:dur="700">
         <p:fade/>
       </p:transition>
     </mc:Choice>
-    <mc:Fallback>
+    <mc:Fallback xmlns="">
       <p:transition spd="med">
         <p:fade/>
       </p:transition>
@@ -11917,20 +11556,20 @@
     </p:spTree>
     <p:extLst>
       <p:ext uri="{BB962C8B-B14F-4D97-AF65-F5344CB8AC3E}">
-        <p14:creationId xmlns:p14="http://schemas.microsoft.com/office/powerpoint/2010/main" xmlns="" val="2058915539"/>
+        <p14:creationId xmlns:p14="http://schemas.microsoft.com/office/powerpoint/2010/main" val="2058915539"/>
       </p:ext>
     </p:extLst>
   </p:cSld>
   <p:clrMapOvr>
     <a:masterClrMapping/>
   </p:clrMapOvr>
-  <mc:AlternateContent xmlns:mc="http://schemas.openxmlformats.org/markup-compatibility/2006">
-    <mc:Choice xmlns:p14="http://schemas.microsoft.com/office/powerpoint/2010/main" xmlns="" Requires="p14">
+  <mc:AlternateContent xmlns:mc="http://schemas.openxmlformats.org/markup-compatibility/2006" xmlns:p14="http://schemas.microsoft.com/office/powerpoint/2010/main">
+    <mc:Choice Requires="p14">
       <p:transition spd="med" p14:dur="700">
         <p:fade/>
       </p:transition>
     </mc:Choice>
-    <mc:Fallback>
+    <mc:Fallback xmlns="">
       <p:transition spd="med">
         <p:fade/>
       </p:transition>
@@ -12733,20 +12372,20 @@
     </p:spTree>
     <p:extLst>
       <p:ext uri="{BB962C8B-B14F-4D97-AF65-F5344CB8AC3E}">
-        <p14:creationId xmlns:p14="http://schemas.microsoft.com/office/powerpoint/2010/main" xmlns="" val="4265288372"/>
+        <p14:creationId xmlns:p14="http://schemas.microsoft.com/office/powerpoint/2010/main" val="4265288372"/>
       </p:ext>
     </p:extLst>
   </p:cSld>
   <p:clrMapOvr>
     <a:masterClrMapping/>
   </p:clrMapOvr>
-  <mc:AlternateContent xmlns:mc="http://schemas.openxmlformats.org/markup-compatibility/2006">
-    <mc:Choice xmlns:p14="http://schemas.microsoft.com/office/powerpoint/2010/main" xmlns="" Requires="p14">
+  <mc:AlternateContent xmlns:mc="http://schemas.openxmlformats.org/markup-compatibility/2006" xmlns:p14="http://schemas.microsoft.com/office/powerpoint/2010/main">
+    <mc:Choice Requires="p14">
       <p:transition spd="med" p14:dur="700">
         <p:fade/>
       </p:transition>
     </mc:Choice>
-    <mc:Fallback>
+    <mc:Fallback xmlns="">
       <p:transition spd="med">
         <p:fade/>
       </p:transition>
@@ -12963,20 +12602,20 @@
     </p:spTree>
     <p:extLst>
       <p:ext uri="{BB962C8B-B14F-4D97-AF65-F5344CB8AC3E}">
-        <p14:creationId xmlns:p14="http://schemas.microsoft.com/office/powerpoint/2010/main" xmlns="" val="2058915539"/>
+        <p14:creationId xmlns:p14="http://schemas.microsoft.com/office/powerpoint/2010/main" val="2058915539"/>
       </p:ext>
     </p:extLst>
   </p:cSld>
   <p:clrMapOvr>
     <a:masterClrMapping/>
   </p:clrMapOvr>
-  <mc:AlternateContent xmlns:mc="http://schemas.openxmlformats.org/markup-compatibility/2006">
-    <mc:Choice xmlns:p14="http://schemas.microsoft.com/office/powerpoint/2010/main" xmlns="" Requires="p14">
+  <mc:AlternateContent xmlns:mc="http://schemas.openxmlformats.org/markup-compatibility/2006" xmlns:p14="http://schemas.microsoft.com/office/powerpoint/2010/main">
+    <mc:Choice Requires="p14">
       <p:transition spd="med" p14:dur="700">
         <p:fade/>
       </p:transition>
     </mc:Choice>
-    <mc:Fallback>
+    <mc:Fallback xmlns="">
       <p:transition spd="med">
         <p:fade/>
       </p:transition>
@@ -13170,7 +12809,7 @@
             <a:blip r:embed="rId2" cstate="print">
               <a:extLst>
                 <a:ext uri="{BEBA8EAE-BF5A-486C-A8C5-ECC9F3942E4B}">
-                  <a14:imgProps xmlns:a14="http://schemas.microsoft.com/office/drawing/2010/main" xmlns="">
+                  <a14:imgProps xmlns:a14="http://schemas.microsoft.com/office/drawing/2010/main">
                     <a14:imgLayer r:embed="rId3">
                       <a14:imgEffect>
                         <a14:saturation sat="0"/>
@@ -13179,7 +12818,7 @@
                   </a14:imgProps>
                 </a:ext>
                 <a:ext uri="{28A0092B-C50C-407E-A947-70E740481C1C}">
-                  <a14:useLocalDpi xmlns:a14="http://schemas.microsoft.com/office/drawing/2010/main" xmlns="" val="0"/>
+                  <a14:useLocalDpi xmlns:a14="http://schemas.microsoft.com/office/drawing/2010/main" val="0"/>
                 </a:ext>
               </a:extLst>
             </a:blip>
@@ -13204,7 +12843,7 @@
             <a:effectLst/>
             <a:extLst>
               <a:ext uri="{909E8E84-426E-40DD-AFC4-6F175D3DCCD1}">
-                <a14:hiddenFill xmlns:a14="http://schemas.microsoft.com/office/drawing/2010/main" xmlns="">
+                <a14:hiddenFill xmlns:a14="http://schemas.microsoft.com/office/drawing/2010/main">
                   <a:solidFill>
                     <a:srgbClr val="FFFFFF"/>
                   </a:solidFill>
@@ -13225,7 +12864,7 @@
             <a:blip r:embed="rId4">
               <a:extLst>
                 <a:ext uri="{28A0092B-C50C-407E-A947-70E740481C1C}">
-                  <a14:useLocalDpi xmlns:a14="http://schemas.microsoft.com/office/drawing/2010/main" xmlns="" val="0"/>
+                  <a14:useLocalDpi xmlns:a14="http://schemas.microsoft.com/office/drawing/2010/main" val="0"/>
                 </a:ext>
               </a:extLst>
             </a:blip>
@@ -13252,7 +12891,7 @@
             </a:effectLst>
             <a:extLst>
               <a:ext uri="{909E8E84-426E-40DD-AFC4-6F175D3DCCD1}">
-                <a14:hiddenFill xmlns:a14="http://schemas.microsoft.com/office/drawing/2010/main" xmlns="">
+                <a14:hiddenFill xmlns:a14="http://schemas.microsoft.com/office/drawing/2010/main">
                   <a:solidFill>
                     <a:srgbClr val="FFFFFF"/>
                   </a:solidFill>
@@ -13514,20 +13153,20 @@
     </p:spTree>
     <p:extLst>
       <p:ext uri="{BB962C8B-B14F-4D97-AF65-F5344CB8AC3E}">
-        <p14:creationId xmlns:p14="http://schemas.microsoft.com/office/powerpoint/2010/main" xmlns="" val="2058915539"/>
+        <p14:creationId xmlns:p14="http://schemas.microsoft.com/office/powerpoint/2010/main" val="2058915539"/>
       </p:ext>
     </p:extLst>
   </p:cSld>
   <p:clrMapOvr>
     <a:masterClrMapping/>
   </p:clrMapOvr>
-  <mc:AlternateContent xmlns:mc="http://schemas.openxmlformats.org/markup-compatibility/2006">
-    <mc:Choice xmlns:p14="http://schemas.microsoft.com/office/powerpoint/2010/main" xmlns="" Requires="p14">
+  <mc:AlternateContent xmlns:mc="http://schemas.openxmlformats.org/markup-compatibility/2006" xmlns:p14="http://schemas.microsoft.com/office/powerpoint/2010/main">
+    <mc:Choice Requires="p14">
       <p:transition spd="med" p14:dur="700">
         <p:fade/>
       </p:transition>
     </mc:Choice>
-    <mc:Fallback>
+    <mc:Fallback xmlns="">
       <p:transition spd="med">
         <p:fade/>
       </p:transition>
@@ -13777,7 +13416,7 @@
             <a:blip r:embed="rId2" cstate="print">
               <a:extLst>
                 <a:ext uri="{BEBA8EAE-BF5A-486C-A8C5-ECC9F3942E4B}">
-                  <a14:imgProps xmlns:a14="http://schemas.microsoft.com/office/drawing/2010/main" xmlns="">
+                  <a14:imgProps xmlns:a14="http://schemas.microsoft.com/office/drawing/2010/main">
                     <a14:imgLayer r:embed="rId3">
                       <a14:imgEffect>
                         <a14:saturation sat="0"/>
@@ -13786,7 +13425,7 @@
                   </a14:imgProps>
                 </a:ext>
                 <a:ext uri="{28A0092B-C50C-407E-A947-70E740481C1C}">
-                  <a14:useLocalDpi xmlns:a14="http://schemas.microsoft.com/office/drawing/2010/main" xmlns="" val="0"/>
+                  <a14:useLocalDpi xmlns:a14="http://schemas.microsoft.com/office/drawing/2010/main" val="0"/>
                 </a:ext>
               </a:extLst>
             </a:blip>
@@ -13815,7 +13454,7 @@
             <a:blip r:embed="rId4" cstate="print">
               <a:extLst>
                 <a:ext uri="{28A0092B-C50C-407E-A947-70E740481C1C}">
-                  <a14:useLocalDpi xmlns:a14="http://schemas.microsoft.com/office/drawing/2010/main" xmlns="" val="0"/>
+                  <a14:useLocalDpi xmlns:a14="http://schemas.microsoft.com/office/drawing/2010/main" val="0"/>
                 </a:ext>
               </a:extLst>
             </a:blip>
@@ -36771,20 +36410,20 @@
     </p:spTree>
     <p:extLst>
       <p:ext uri="{BB962C8B-B14F-4D97-AF65-F5344CB8AC3E}">
-        <p14:creationId xmlns:p14="http://schemas.microsoft.com/office/powerpoint/2010/main" xmlns="" val="2058915539"/>
+        <p14:creationId xmlns:p14="http://schemas.microsoft.com/office/powerpoint/2010/main" val="2058915539"/>
       </p:ext>
     </p:extLst>
   </p:cSld>
   <p:clrMapOvr>
     <a:masterClrMapping/>
   </p:clrMapOvr>
-  <mc:AlternateContent xmlns:mc="http://schemas.openxmlformats.org/markup-compatibility/2006">
-    <mc:Choice xmlns:p14="http://schemas.microsoft.com/office/powerpoint/2010/main" xmlns="" Requires="p14">
+  <mc:AlternateContent xmlns:mc="http://schemas.openxmlformats.org/markup-compatibility/2006" xmlns:p14="http://schemas.microsoft.com/office/powerpoint/2010/main">
+    <mc:Choice Requires="p14">
       <p:transition spd="med" p14:dur="700">
         <p:fade/>
       </p:transition>
     </mc:Choice>
-    <mc:Fallback>
+    <mc:Fallback xmlns="">
       <p:transition spd="med">
         <p:fade/>
       </p:transition>
@@ -37925,20 +37564,20 @@
     </p:spTree>
     <p:extLst>
       <p:ext uri="{BB962C8B-B14F-4D97-AF65-F5344CB8AC3E}">
-        <p14:creationId xmlns:p14="http://schemas.microsoft.com/office/powerpoint/2010/main" xmlns="" val="1077896211"/>
+        <p14:creationId xmlns:p14="http://schemas.microsoft.com/office/powerpoint/2010/main" val="1077896211"/>
       </p:ext>
     </p:extLst>
   </p:cSld>
   <p:clrMapOvr>
     <a:masterClrMapping/>
   </p:clrMapOvr>
-  <mc:AlternateContent xmlns:mc="http://schemas.openxmlformats.org/markup-compatibility/2006">
-    <mc:Choice xmlns:p14="http://schemas.microsoft.com/office/powerpoint/2010/main" xmlns="" Requires="p14">
+  <mc:AlternateContent xmlns:mc="http://schemas.openxmlformats.org/markup-compatibility/2006" xmlns:p14="http://schemas.microsoft.com/office/powerpoint/2010/main">
+    <mc:Choice Requires="p14">
       <p:transition spd="med" p14:dur="700">
         <p:fade/>
       </p:transition>
     </mc:Choice>
-    <mc:Fallback>
+    <mc:Fallback xmlns="">
       <p:transition spd="med">
         <p:fade/>
       </p:transition>
@@ -37980,7 +37619,7 @@
           <p:nvPr>
             <p:extLst>
               <p:ext uri="{D42A27DB-BD31-4B8C-83A1-F6EECF244321}">
-                <p14:modId xmlns:p14="http://schemas.microsoft.com/office/powerpoint/2010/main" xmlns="" val="2079908002"/>
+                <p14:modId xmlns:p14="http://schemas.microsoft.com/office/powerpoint/2010/main" val="2079908002"/>
               </p:ext>
             </p:extLst>
           </p:nvPr>
@@ -38366,7 +38005,7 @@
           <p:nvPr>
             <p:extLst>
               <p:ext uri="{D42A27DB-BD31-4B8C-83A1-F6EECF244321}">
-                <p14:modId xmlns:p14="http://schemas.microsoft.com/office/powerpoint/2010/main" xmlns="" val="3236098406"/>
+                <p14:modId xmlns:p14="http://schemas.microsoft.com/office/powerpoint/2010/main" val="3236098406"/>
               </p:ext>
             </p:extLst>
           </p:nvPr>
@@ -38818,7 +38457,7 @@
           <p:nvPr>
             <p:extLst>
               <p:ext uri="{D42A27DB-BD31-4B8C-83A1-F6EECF244321}">
-                <p14:modId xmlns:p14="http://schemas.microsoft.com/office/powerpoint/2010/main" xmlns="" val="676415802"/>
+                <p14:modId xmlns:p14="http://schemas.microsoft.com/office/powerpoint/2010/main" val="676415802"/>
               </p:ext>
             </p:extLst>
           </p:nvPr>
@@ -39378,7 +39017,7 @@
     </p:spTree>
     <p:extLst>
       <p:ext uri="{BB962C8B-B14F-4D97-AF65-F5344CB8AC3E}">
-        <p14:creationId xmlns:p14="http://schemas.microsoft.com/office/powerpoint/2010/main" xmlns="" val="1027278441"/>
+        <p14:creationId xmlns:p14="http://schemas.microsoft.com/office/powerpoint/2010/main" val="1027278441"/>
       </p:ext>
     </p:extLst>
   </p:cSld>
@@ -39405,49 +39044,65 @@
           <a:chExt cx="0" cy="0"/>
         </a:xfrm>
       </p:grpSpPr>
-      <p:pic>
-        <p:nvPicPr>
-          <p:cNvPr id="8" name="Picture 2" descr="http://img.mp.itc.cn/upload/20160815/11cb1d283d134a8d986f393b2b5cd377.jpg"/>
-          <p:cNvPicPr>
-            <a:picLocks noChangeAspect="1" noChangeArrowheads="1"/>
-          </p:cNvPicPr>
+      <p:sp>
+        <p:nvSpPr>
+          <p:cNvPr id="2" name="矩形 1"/>
+          <p:cNvSpPr/>
           <p:nvPr/>
-        </p:nvPicPr>
-        <p:blipFill>
-          <a:blip r:embed="rId2" cstate="print"/>
-          <a:srcRect/>
-          <a:stretch>
-            <a:fillRect/>
-          </a:stretch>
-        </p:blipFill>
-        <p:spPr bwMode="auto">
+        </p:nvSpPr>
+        <p:spPr>
           <a:xfrm>
-            <a:off x="3272907" y="1245040"/>
-            <a:ext cx="6046190" cy="4408682"/>
+            <a:off x="3641230" y="2413338"/>
+            <a:ext cx="3680816" cy="1569660"/>
           </a:xfrm>
           <a:prstGeom prst="rect">
             <a:avLst/>
           </a:prstGeom>
-          <a:noFill/>
         </p:spPr>
-      </p:pic>
+        <p:txBody>
+          <a:bodyPr wrap="none">
+            <a:spAutoFit/>
+          </a:bodyPr>
+          <a:lstStyle/>
+          <a:p>
+            <a:pPr algn="ctr"/>
+            <a:r>
+              <a:rPr kumimoji="1" lang="zh-CN" altLang="en-US" sz="9600" b="1" dirty="0" smtClean="0">
+                <a:solidFill>
+                  <a:schemeClr val="bg1">
+                    <a:lumMod val="95000"/>
+                  </a:schemeClr>
+                </a:solidFill>
+              </a:rPr>
+              <a:t>飞   机</a:t>
+            </a:r>
+            <a:endParaRPr kumimoji="1" lang="en-US" altLang="zh-CN" sz="9600" b="1" dirty="0">
+              <a:solidFill>
+                <a:schemeClr val="bg1">
+                  <a:lumMod val="95000"/>
+                </a:schemeClr>
+              </a:solidFill>
+            </a:endParaRPr>
+          </a:p>
+        </p:txBody>
+      </p:sp>
     </p:spTree>
     <p:extLst>
       <p:ext uri="{BB962C8B-B14F-4D97-AF65-F5344CB8AC3E}">
-        <p14:creationId xmlns:p14="http://schemas.microsoft.com/office/powerpoint/2010/main" xmlns="" val="2362171749"/>
+        <p14:creationId xmlns:p14="http://schemas.microsoft.com/office/powerpoint/2010/main" val="2362171749"/>
       </p:ext>
     </p:extLst>
   </p:cSld>
   <p:clrMapOvr>
     <a:masterClrMapping/>
   </p:clrMapOvr>
-  <mc:AlternateContent xmlns:mc="http://schemas.openxmlformats.org/markup-compatibility/2006">
-    <mc:Choice xmlns:p14="http://schemas.microsoft.com/office/powerpoint/2010/main" xmlns="" Requires="p14">
+  <mc:AlternateContent xmlns:mc="http://schemas.openxmlformats.org/markup-compatibility/2006" xmlns:p14="http://schemas.microsoft.com/office/powerpoint/2010/main">
+    <mc:Choice Requires="p14">
       <p:transition spd="slow" p14:dur="1500">
         <p14:window dir="vert"/>
       </p:transition>
     </mc:Choice>
-    <mc:Fallback>
+    <mc:Fallback xmlns="">
       <p:transition spd="slow">
         <p:fade/>
       </p:transition>
@@ -41200,7 +40855,7 @@
                 </a:ln>
                 <a:extLst>
                   <a:ext uri="{91240B29-F687-4F45-9708-019B960494DF}">
-                    <a14:hiddenLine xmlns:a14="http://schemas.microsoft.com/office/drawing/2010/main" xmlns="" w="9525">
+                    <a14:hiddenLine xmlns:a14="http://schemas.microsoft.com/office/drawing/2010/main" w="9525">
                       <a:solidFill>
                         <a:srgbClr val="000000"/>
                       </a:solidFill>
@@ -41286,7 +40941,7 @@
                 </a:ln>
                 <a:extLst>
                   <a:ext uri="{91240B29-F687-4F45-9708-019B960494DF}">
-                    <a14:hiddenLine xmlns:a14="http://schemas.microsoft.com/office/drawing/2010/main" xmlns="" w="9525">
+                    <a14:hiddenLine xmlns:a14="http://schemas.microsoft.com/office/drawing/2010/main" w="9525">
                       <a:solidFill>
                         <a:srgbClr val="000000"/>
                       </a:solidFill>
@@ -42145,20 +41800,20 @@
     </p:spTree>
     <p:extLst>
       <p:ext uri="{BB962C8B-B14F-4D97-AF65-F5344CB8AC3E}">
-        <p14:creationId xmlns:p14="http://schemas.microsoft.com/office/powerpoint/2010/main" xmlns="" val="8437623"/>
+        <p14:creationId xmlns:p14="http://schemas.microsoft.com/office/powerpoint/2010/main" val="8437623"/>
       </p:ext>
     </p:extLst>
   </p:cSld>
   <p:clrMapOvr>
     <a:masterClrMapping/>
   </p:clrMapOvr>
-  <mc:AlternateContent xmlns:mc="http://schemas.openxmlformats.org/markup-compatibility/2006">
-    <mc:Choice xmlns:p14="http://schemas.microsoft.com/office/powerpoint/2010/main" xmlns="" Requires="p14">
+  <mc:AlternateContent xmlns:mc="http://schemas.openxmlformats.org/markup-compatibility/2006" xmlns:p14="http://schemas.microsoft.com/office/powerpoint/2010/main">
+    <mc:Choice Requires="p14">
       <p:transition spd="med" p14:dur="700">
         <p:fade/>
       </p:transition>
     </mc:Choice>
-    <mc:Fallback>
+    <mc:Fallback xmlns="">
       <p:transition spd="med">
         <p:fade/>
       </p:transition>
@@ -42334,7 +41989,7 @@
           <p:nvPr>
             <p:extLst>
               <p:ext uri="{D42A27DB-BD31-4B8C-83A1-F6EECF244321}">
-                <p14:modId xmlns:p14="http://schemas.microsoft.com/office/powerpoint/2010/main" xmlns="" val="3623428867"/>
+                <p14:modId xmlns:p14="http://schemas.microsoft.com/office/powerpoint/2010/main" val="3623428867"/>
               </p:ext>
             </p:extLst>
           </p:nvPr>
@@ -42645,20 +42300,20 @@
     </p:spTree>
     <p:extLst>
       <p:ext uri="{BB962C8B-B14F-4D97-AF65-F5344CB8AC3E}">
-        <p14:creationId xmlns:p14="http://schemas.microsoft.com/office/powerpoint/2010/main" xmlns="" val="2058915539"/>
+        <p14:creationId xmlns:p14="http://schemas.microsoft.com/office/powerpoint/2010/main" val="2058915539"/>
       </p:ext>
     </p:extLst>
   </p:cSld>
   <p:clrMapOvr>
     <a:masterClrMapping/>
   </p:clrMapOvr>
-  <mc:AlternateContent xmlns:mc="http://schemas.openxmlformats.org/markup-compatibility/2006">
-    <mc:Choice xmlns:p14="http://schemas.microsoft.com/office/powerpoint/2010/main" xmlns="" Requires="p14">
+  <mc:AlternateContent xmlns:mc="http://schemas.openxmlformats.org/markup-compatibility/2006" xmlns:p14="http://schemas.microsoft.com/office/powerpoint/2010/main">
+    <mc:Choice Requires="p14">
       <p:transition spd="med" p14:dur="700">
         <p:fade/>
       </p:transition>
     </mc:Choice>
-    <mc:Fallback>
+    <mc:Fallback xmlns="">
       <p:transition spd="med">
         <p:fade/>
       </p:transition>
@@ -44911,20 +44566,20 @@
     </p:spTree>
     <p:extLst>
       <p:ext uri="{BB962C8B-B14F-4D97-AF65-F5344CB8AC3E}">
-        <p14:creationId xmlns:p14="http://schemas.microsoft.com/office/powerpoint/2010/main" xmlns="" val="2710427092"/>
+        <p14:creationId xmlns:p14="http://schemas.microsoft.com/office/powerpoint/2010/main" val="2710427092"/>
       </p:ext>
     </p:extLst>
   </p:cSld>
   <p:clrMapOvr>
     <a:masterClrMapping/>
   </p:clrMapOvr>
-  <mc:AlternateContent xmlns:mc="http://schemas.openxmlformats.org/markup-compatibility/2006">
-    <mc:Choice xmlns:p14="http://schemas.microsoft.com/office/powerpoint/2010/main" xmlns="" Requires="p14">
+  <mc:AlternateContent xmlns:mc="http://schemas.openxmlformats.org/markup-compatibility/2006" xmlns:p14="http://schemas.microsoft.com/office/powerpoint/2010/main">
+    <mc:Choice Requires="p14">
       <p:transition spd="med" p14:dur="700">
         <p:fade/>
       </p:transition>
     </mc:Choice>
-    <mc:Fallback>
+    <mc:Fallback xmlns="">
       <p:transition spd="med">
         <p:fade/>
       </p:transition>
@@ -45632,20 +45287,20 @@
     </p:spTree>
     <p:extLst>
       <p:ext uri="{BB962C8B-B14F-4D97-AF65-F5344CB8AC3E}">
-        <p14:creationId xmlns:p14="http://schemas.microsoft.com/office/powerpoint/2010/main" xmlns="" val="2058915539"/>
+        <p14:creationId xmlns:p14="http://schemas.microsoft.com/office/powerpoint/2010/main" val="2058915539"/>
       </p:ext>
     </p:extLst>
   </p:cSld>
   <p:clrMapOvr>
     <a:masterClrMapping/>
   </p:clrMapOvr>
-  <mc:AlternateContent xmlns:mc="http://schemas.openxmlformats.org/markup-compatibility/2006">
-    <mc:Choice xmlns:p14="http://schemas.microsoft.com/office/powerpoint/2010/main" xmlns="" Requires="p14">
+  <mc:AlternateContent xmlns:mc="http://schemas.openxmlformats.org/markup-compatibility/2006" xmlns:p14="http://schemas.microsoft.com/office/powerpoint/2010/main">
+    <mc:Choice Requires="p14">
       <p:transition spd="med" p14:dur="700">
         <p:fade/>
       </p:transition>
     </mc:Choice>
-    <mc:Fallback>
+    <mc:Fallback xmlns="">
       <p:transition spd="med">
         <p:fade/>
       </p:transition>
@@ -46648,20 +46303,20 @@
     </p:spTree>
     <p:extLst>
       <p:ext uri="{BB962C8B-B14F-4D97-AF65-F5344CB8AC3E}">
-        <p14:creationId xmlns:p14="http://schemas.microsoft.com/office/powerpoint/2010/main" xmlns="" val="3340757157"/>
+        <p14:creationId xmlns:p14="http://schemas.microsoft.com/office/powerpoint/2010/main" val="3340757157"/>
       </p:ext>
     </p:extLst>
   </p:cSld>
   <p:clrMapOvr>
     <a:masterClrMapping/>
   </p:clrMapOvr>
-  <mc:AlternateContent xmlns:mc="http://schemas.openxmlformats.org/markup-compatibility/2006">
-    <mc:Choice xmlns:p14="http://schemas.microsoft.com/office/powerpoint/2010/main" xmlns="" Requires="p14">
+  <mc:AlternateContent xmlns:mc="http://schemas.openxmlformats.org/markup-compatibility/2006" xmlns:p14="http://schemas.microsoft.com/office/powerpoint/2010/main">
+    <mc:Choice Requires="p14">
       <p:transition spd="med" p14:dur="700">
         <p:fade/>
       </p:transition>
     </mc:Choice>
-    <mc:Fallback>
+    <mc:Fallback xmlns="">
       <p:transition spd="med">
         <p:fade/>
       </p:transition>
@@ -48302,20 +47957,20 @@
     </p:spTree>
     <p:extLst>
       <p:ext uri="{BB962C8B-B14F-4D97-AF65-F5344CB8AC3E}">
-        <p14:creationId xmlns:p14="http://schemas.microsoft.com/office/powerpoint/2010/main" xmlns="" val="2991279127"/>
+        <p14:creationId xmlns:p14="http://schemas.microsoft.com/office/powerpoint/2010/main" val="2991279127"/>
       </p:ext>
     </p:extLst>
   </p:cSld>
   <p:clrMapOvr>
     <a:masterClrMapping/>
   </p:clrMapOvr>
-  <mc:AlternateContent xmlns:mc="http://schemas.openxmlformats.org/markup-compatibility/2006">
-    <mc:Choice xmlns:p14="http://schemas.microsoft.com/office/powerpoint/2010/main" xmlns="" Requires="p14">
+  <mc:AlternateContent xmlns:mc="http://schemas.openxmlformats.org/markup-compatibility/2006" xmlns:p14="http://schemas.microsoft.com/office/powerpoint/2010/main">
+    <mc:Choice Requires="p14">
       <p:transition spd="med" p14:dur="700">
         <p:fade/>
       </p:transition>
     </mc:Choice>
-    <mc:Fallback>
+    <mc:Fallback xmlns="">
       <p:transition spd="med">
         <p:fade/>
       </p:transition>
@@ -48517,7 +48172,7 @@
     </p:spTree>
     <p:extLst>
       <p:ext uri="{BB962C8B-B14F-4D97-AF65-F5344CB8AC3E}">
-        <p14:creationId xmlns:p14="http://schemas.microsoft.com/office/powerpoint/2010/main" xmlns="" val="717258887"/>
+        <p14:creationId xmlns:p14="http://schemas.microsoft.com/office/powerpoint/2010/main" val="717258887"/>
       </p:ext>
     </p:extLst>
   </p:cSld>
@@ -48903,7 +48558,7 @@
     </p:spTree>
     <p:extLst>
       <p:ext uri="{BB962C8B-B14F-4D97-AF65-F5344CB8AC3E}">
-        <p14:creationId xmlns:p14="http://schemas.microsoft.com/office/powerpoint/2010/main" xmlns="" val="473243326"/>
+        <p14:creationId xmlns:p14="http://schemas.microsoft.com/office/powerpoint/2010/main" val="473243326"/>
       </p:ext>
     </p:extLst>
   </p:cSld>
@@ -49084,7 +48739,7 @@
     </p:spTree>
     <p:extLst>
       <p:ext uri="{BB962C8B-B14F-4D97-AF65-F5344CB8AC3E}">
-        <p14:creationId xmlns:p14="http://schemas.microsoft.com/office/powerpoint/2010/main" xmlns="" val="473243326"/>
+        <p14:creationId xmlns:p14="http://schemas.microsoft.com/office/powerpoint/2010/main" val="473243326"/>
       </p:ext>
     </p:extLst>
   </p:cSld>
@@ -49095,6 +48750,423 @@
 </file>
 
 <file path=ppt/slides/slide29.xml><?xml version="1.0" encoding="utf-8"?>
+<p:sld xmlns:a="http://schemas.openxmlformats.org/drawingml/2006/main" xmlns:r="http://schemas.openxmlformats.org/officeDocument/2006/relationships" xmlns:p="http://schemas.openxmlformats.org/presentationml/2006/main">
+  <p:cSld>
+    <p:spTree>
+      <p:nvGrpSpPr>
+        <p:cNvPr id="1" name=""/>
+        <p:cNvGrpSpPr/>
+        <p:nvPr/>
+      </p:nvGrpSpPr>
+      <p:grpSpPr>
+        <a:xfrm>
+          <a:off x="0" y="0"/>
+          <a:ext cx="0" cy="0"/>
+          <a:chOff x="0" y="0"/>
+          <a:chExt cx="0" cy="0"/>
+        </a:xfrm>
+      </p:grpSpPr>
+      <p:sp>
+        <p:nvSpPr>
+          <p:cNvPr id="2" name="文本框 1"/>
+          <p:cNvSpPr txBox="1"/>
+          <p:nvPr/>
+        </p:nvSpPr>
+        <p:spPr>
+          <a:xfrm>
+            <a:off x="1245711" y="331242"/>
+            <a:ext cx="7631003" cy="484149"/>
+          </a:xfrm>
+          <a:prstGeom prst="rect">
+            <a:avLst/>
+          </a:prstGeom>
+          <a:noFill/>
+        </p:spPr>
+        <p:txBody>
+          <a:bodyPr wrap="square" lIns="121899" tIns="60949" rIns="121899" bIns="60949" rtlCol="0" anchor="ctr">
+            <a:spAutoFit/>
+          </a:bodyPr>
+          <a:lstStyle/>
+          <a:p>
+            <a:pPr>
+              <a:lnSpc>
+                <a:spcPct val="110000"/>
+              </a:lnSpc>
+            </a:pPr>
+            <a:r>
+              <a:rPr kumimoji="1" lang="en-US" altLang="zh-CN" sz="2133" b="1" dirty="0" smtClean="0">
+                <a:solidFill>
+                  <a:srgbClr val="1F1F1F"/>
+                </a:solidFill>
+                <a:latin typeface="微软雅黑"/>
+                <a:ea typeface="微软雅黑"/>
+                <a:cs typeface="微软雅黑"/>
+              </a:rPr>
+              <a:t>DCL</a:t>
+            </a:r>
+            <a:r>
+              <a:rPr kumimoji="1" lang="zh-CN" altLang="en-US" sz="2133" b="1" dirty="0" smtClean="0">
+                <a:solidFill>
+                  <a:srgbClr val="1F1F1F"/>
+                </a:solidFill>
+                <a:latin typeface="微软雅黑"/>
+                <a:ea typeface="微软雅黑"/>
+                <a:cs typeface="微软雅黑"/>
+              </a:rPr>
+              <a:t>单例为什么一定要</a:t>
+            </a:r>
+            <a:r>
+              <a:rPr kumimoji="1" lang="en-US" altLang="zh-CN" sz="2133" b="1" dirty="0" smtClean="0">
+                <a:solidFill>
+                  <a:srgbClr val="1F1F1F"/>
+                </a:solidFill>
+                <a:latin typeface="微软雅黑"/>
+                <a:ea typeface="微软雅黑"/>
+                <a:cs typeface="微软雅黑"/>
+              </a:rPr>
+              <a:t>volatile</a:t>
+            </a:r>
+            <a:r>
+              <a:rPr kumimoji="1" lang="zh-CN" altLang="en-US" sz="2133" b="1" dirty="0" smtClean="0">
+                <a:solidFill>
+                  <a:srgbClr val="1F1F1F"/>
+                </a:solidFill>
+                <a:latin typeface="微软雅黑"/>
+                <a:ea typeface="微软雅黑"/>
+                <a:cs typeface="微软雅黑"/>
+              </a:rPr>
+              <a:t>修饰</a:t>
+            </a:r>
+            <a:r>
+              <a:rPr kumimoji="1" lang="en-US" altLang="zh-CN" sz="2133" b="1" dirty="0" smtClean="0">
+                <a:solidFill>
+                  <a:srgbClr val="1F1F1F"/>
+                </a:solidFill>
+                <a:latin typeface="微软雅黑"/>
+                <a:ea typeface="微软雅黑"/>
+                <a:cs typeface="微软雅黑"/>
+              </a:rPr>
+              <a:t>INSTANCE</a:t>
+            </a:r>
+            <a:endParaRPr kumimoji="1" lang="zh-CN" altLang="en-US" sz="2133" b="1" dirty="0">
+              <a:solidFill>
+                <a:srgbClr val="1F1F1F"/>
+              </a:solidFill>
+              <a:latin typeface="微软雅黑"/>
+              <a:ea typeface="微软雅黑"/>
+              <a:cs typeface="微软雅黑"/>
+            </a:endParaRPr>
+          </a:p>
+        </p:txBody>
+      </p:sp>
+      <p:sp>
+        <p:nvSpPr>
+          <p:cNvPr id="3" name="矩形 2"/>
+          <p:cNvSpPr/>
+          <p:nvPr/>
+        </p:nvSpPr>
+        <p:spPr>
+          <a:xfrm>
+            <a:off x="104172" y="292590"/>
+            <a:ext cx="1050259" cy="632007"/>
+          </a:xfrm>
+          <a:prstGeom prst="rect">
+            <a:avLst/>
+          </a:prstGeom>
+          <a:noFill/>
+          <a:ln>
+            <a:solidFill>
+              <a:srgbClr val="1F1F1F"/>
+            </a:solidFill>
+          </a:ln>
+          <a:effectLst/>
+        </p:spPr>
+        <p:style>
+          <a:lnRef idx="1">
+            <a:schemeClr val="accent1"/>
+          </a:lnRef>
+          <a:fillRef idx="3">
+            <a:schemeClr val="accent1"/>
+          </a:fillRef>
+          <a:effectRef idx="2">
+            <a:schemeClr val="accent1"/>
+          </a:effectRef>
+          <a:fontRef idx="minor">
+            <a:schemeClr val="lt1"/>
+          </a:fontRef>
+        </p:style>
+        <p:txBody>
+          <a:bodyPr lIns="121899" tIns="60949" rIns="121899" bIns="60949" rtlCol="0" anchor="ctr"/>
+          <a:lstStyle/>
+          <a:p>
+            <a:pPr algn="ctr"/>
+            <a:r>
+              <a:rPr kumimoji="1" lang="en-US" altLang="zh-CN" sz="1333" b="1" dirty="0" smtClean="0">
+                <a:solidFill>
+                  <a:srgbClr val="1F1F1F"/>
+                </a:solidFill>
+                <a:latin typeface="Calibri"/>
+                <a:ea typeface="宋体"/>
+              </a:rPr>
+              <a:t>DCL</a:t>
+            </a:r>
+            <a:endParaRPr kumimoji="1" lang="zh-CN" altLang="en-US" sz="1333" b="1" dirty="0">
+              <a:solidFill>
+                <a:srgbClr val="1F1F1F"/>
+              </a:solidFill>
+              <a:latin typeface="Calibri"/>
+              <a:ea typeface="宋体"/>
+            </a:endParaRPr>
+          </a:p>
+        </p:txBody>
+      </p:sp>
+      <p:sp>
+        <p:nvSpPr>
+          <p:cNvPr id="8" name="TextBox 7"/>
+          <p:cNvSpPr txBox="1"/>
+          <p:nvPr/>
+        </p:nvSpPr>
+        <p:spPr>
+          <a:xfrm>
+            <a:off x="593387" y="1498060"/>
+            <a:ext cx="10781395" cy="830997"/>
+          </a:xfrm>
+          <a:prstGeom prst="rect">
+            <a:avLst/>
+          </a:prstGeom>
+          <a:noFill/>
+        </p:spPr>
+        <p:txBody>
+          <a:bodyPr wrap="square" rtlCol="0">
+            <a:spAutoFit/>
+          </a:bodyPr>
+          <a:lstStyle/>
+          <a:p>
+            <a:r>
+              <a:rPr lang="zh-CN" altLang="en-US" sz="4800" b="1" dirty="0" smtClean="0"/>
+              <a:t>在虚拟机中对象加载对应</a:t>
+            </a:r>
+            <a:r>
+              <a:rPr lang="en-US" altLang="zh-CN" sz="4800" b="1" dirty="0" smtClean="0"/>
+              <a:t>CPU</a:t>
+            </a:r>
+            <a:r>
+              <a:rPr lang="zh-CN" altLang="en-US" sz="4800" b="1" dirty="0" smtClean="0"/>
+              <a:t>几条指令？</a:t>
+            </a:r>
+            <a:endParaRPr lang="zh-CN" altLang="en-US" sz="4800" b="1" dirty="0"/>
+          </a:p>
+        </p:txBody>
+      </p:sp>
+    </p:spTree>
+    <p:extLst>
+      <p:ext uri="{BB962C8B-B14F-4D97-AF65-F5344CB8AC3E}">
+        <p14:creationId xmlns:p14="http://schemas.microsoft.com/office/powerpoint/2010/main" val="473243326"/>
+      </p:ext>
+    </p:extLst>
+  </p:cSld>
+  <p:clrMapOvr>
+    <a:masterClrMapping/>
+  </p:clrMapOvr>
+</p:sld>
+</file>
+
+<file path=ppt/slides/slide3.xml><?xml version="1.0" encoding="utf-8"?>
+<p:sld xmlns:a="http://schemas.openxmlformats.org/drawingml/2006/main" xmlns:r="http://schemas.openxmlformats.org/officeDocument/2006/relationships" xmlns:p="http://schemas.openxmlformats.org/presentationml/2006/main">
+  <p:cSld>
+    <p:spTree>
+      <p:nvGrpSpPr>
+        <p:cNvPr id="1" name=""/>
+        <p:cNvGrpSpPr/>
+        <p:nvPr/>
+      </p:nvGrpSpPr>
+      <p:grpSpPr>
+        <a:xfrm>
+          <a:off x="0" y="0"/>
+          <a:ext cx="0" cy="0"/>
+          <a:chOff x="0" y="0"/>
+          <a:chExt cx="0" cy="0"/>
+        </a:xfrm>
+      </p:grpSpPr>
+      <p:sp>
+        <p:nvSpPr>
+          <p:cNvPr id="2" name="文本框 1"/>
+          <p:cNvSpPr txBox="1"/>
+          <p:nvPr/>
+        </p:nvSpPr>
+        <p:spPr>
+          <a:xfrm>
+            <a:off x="4157799" y="1061236"/>
+            <a:ext cx="3877985" cy="3416320"/>
+          </a:xfrm>
+          <a:prstGeom prst="rect">
+            <a:avLst/>
+          </a:prstGeom>
+          <a:noFill/>
+        </p:spPr>
+        <p:txBody>
+          <a:bodyPr wrap="none" rtlCol="0">
+            <a:spAutoFit/>
+          </a:bodyPr>
+          <a:lstStyle/>
+          <a:p>
+            <a:pPr algn="ctr"/>
+            <a:r>
+              <a:rPr kumimoji="1" lang="zh-CN" altLang="en-US" sz="7200" b="1" dirty="0">
+                <a:solidFill>
+                  <a:schemeClr val="bg1">
+                    <a:lumMod val="95000"/>
+                  </a:schemeClr>
+                </a:solidFill>
+              </a:rPr>
+              <a:t>一个</a:t>
+            </a:r>
+            <a:r>
+              <a:rPr kumimoji="1" lang="zh-CN" altLang="en-US" sz="7200" b="1" dirty="0" smtClean="0">
+                <a:solidFill>
+                  <a:schemeClr val="bg1">
+                    <a:lumMod val="95000"/>
+                  </a:schemeClr>
+                </a:solidFill>
+              </a:rPr>
+              <a:t>思想</a:t>
+            </a:r>
+            <a:endParaRPr kumimoji="1" lang="en-US" altLang="zh-CN" sz="7200" b="1" dirty="0" smtClean="0">
+              <a:solidFill>
+                <a:schemeClr val="bg1">
+                  <a:lumMod val="95000"/>
+                </a:schemeClr>
+              </a:solidFill>
+            </a:endParaRPr>
+          </a:p>
+          <a:p>
+            <a:pPr algn="ctr"/>
+            <a:r>
+              <a:rPr kumimoji="1" lang="zh-CN" altLang="en-US" sz="7200" b="1" dirty="0" smtClean="0">
+                <a:solidFill>
+                  <a:schemeClr val="bg1">
+                    <a:lumMod val="95000"/>
+                  </a:schemeClr>
+                </a:solidFill>
+              </a:rPr>
+              <a:t>一句话</a:t>
+            </a:r>
+            <a:endParaRPr kumimoji="1" lang="en-US" altLang="zh-CN" sz="7200" b="1" dirty="0" smtClean="0">
+              <a:solidFill>
+                <a:schemeClr val="bg1">
+                  <a:lumMod val="95000"/>
+                </a:schemeClr>
+              </a:solidFill>
+            </a:endParaRPr>
+          </a:p>
+          <a:p>
+            <a:pPr algn="ctr"/>
+            <a:r>
+              <a:rPr kumimoji="1" lang="zh-CN" altLang="en-US" sz="6600" b="1" dirty="0">
+                <a:solidFill>
+                  <a:schemeClr val="bg1">
+                    <a:lumMod val="95000"/>
+                  </a:schemeClr>
+                </a:solidFill>
+              </a:rPr>
+              <a:t>一本书</a:t>
+            </a:r>
+            <a:endParaRPr kumimoji="1" lang="en-US" altLang="zh-CN" sz="6600" b="1" dirty="0">
+              <a:solidFill>
+                <a:schemeClr val="bg1">
+                  <a:lumMod val="95000"/>
+                </a:schemeClr>
+              </a:solidFill>
+            </a:endParaRPr>
+          </a:p>
+        </p:txBody>
+      </p:sp>
+      <p:sp>
+        <p:nvSpPr>
+          <p:cNvPr id="5" name="矩形 4"/>
+          <p:cNvSpPr/>
+          <p:nvPr/>
+        </p:nvSpPr>
+        <p:spPr>
+          <a:xfrm>
+            <a:off x="2812021" y="1061236"/>
+            <a:ext cx="7006233" cy="3416320"/>
+          </a:xfrm>
+          <a:prstGeom prst="rect">
+            <a:avLst/>
+          </a:prstGeom>
+          <a:noFill/>
+          <a:ln w="12700" cmpd="sng">
+            <a:solidFill>
+              <a:schemeClr val="bg1">
+                <a:lumMod val="95000"/>
+              </a:schemeClr>
+            </a:solidFill>
+          </a:ln>
+          <a:effectLst/>
+        </p:spPr>
+        <p:style>
+          <a:lnRef idx="1">
+            <a:schemeClr val="accent1"/>
+          </a:lnRef>
+          <a:fillRef idx="3">
+            <a:schemeClr val="accent1"/>
+          </a:fillRef>
+          <a:effectRef idx="2">
+            <a:schemeClr val="accent1"/>
+          </a:effectRef>
+          <a:fontRef idx="minor">
+            <a:schemeClr val="lt1"/>
+          </a:fontRef>
+        </p:style>
+        <p:txBody>
+          <a:bodyPr rtlCol="0" anchor="ctr"/>
+          <a:lstStyle/>
+          <a:p>
+            <a:pPr algn="ctr"/>
+            <a:endParaRPr kumimoji="1" lang="zh-CN" altLang="en-US" sz="3200">
+              <a:solidFill>
+                <a:schemeClr val="bg1">
+                  <a:lumMod val="95000"/>
+                </a:schemeClr>
+              </a:solidFill>
+            </a:endParaRPr>
+          </a:p>
+        </p:txBody>
+      </p:sp>
+    </p:spTree>
+    <p:extLst>
+      <p:ext uri="{BB962C8B-B14F-4D97-AF65-F5344CB8AC3E}">
+        <p14:creationId xmlns:p14="http://schemas.microsoft.com/office/powerpoint/2010/main" val="2362171749"/>
+      </p:ext>
+    </p:extLst>
+  </p:cSld>
+  <p:clrMapOvr>
+    <a:masterClrMapping/>
+  </p:clrMapOvr>
+  <mc:AlternateContent xmlns:mc="http://schemas.openxmlformats.org/markup-compatibility/2006" xmlns:p14="http://schemas.microsoft.com/office/powerpoint/2010/main">
+    <mc:Choice Requires="p14">
+      <p:transition spd="slow" p14:dur="1500">
+        <p14:window dir="vert"/>
+      </p:transition>
+    </mc:Choice>
+    <mc:Fallback xmlns="">
+      <p:transition spd="slow">
+        <p:fade/>
+      </p:transition>
+    </mc:Fallback>
+  </mc:AlternateContent>
+  <p:timing>
+    <p:tnLst>
+      <p:par>
+        <p:cTn id="1" dur="indefinite" restart="never" nodeType="tmRoot"/>
+      </p:par>
+    </p:tnLst>
+  </p:timing>
+</p:sld>
+</file>
+
+<file path=ppt/slides/slide30.xml><?xml version="1.0" encoding="utf-8"?>
 <p:sld xmlns:a="http://schemas.openxmlformats.org/drawingml/2006/main" xmlns:r="http://schemas.openxmlformats.org/officeDocument/2006/relationships" xmlns:p="http://schemas.openxmlformats.org/presentationml/2006/main">
   <p:cSld>
     <p:spTree>
@@ -49291,14 +49363,13 @@
               <a:rPr lang="en-US" altLang="zh-CN" sz="4800" b="1" dirty="0" smtClean="0"/>
               <a:t>Talk is cheap. Show me the code.</a:t>
             </a:r>
-            <a:endParaRPr lang="zh-CN" altLang="en-US" sz="4800" b="1" dirty="0"/>
           </a:p>
         </p:txBody>
       </p:sp>
     </p:spTree>
     <p:extLst>
       <p:ext uri="{BB962C8B-B14F-4D97-AF65-F5344CB8AC3E}">
-        <p14:creationId xmlns:p14="http://schemas.microsoft.com/office/powerpoint/2010/main" xmlns="" val="473243326"/>
+        <p14:creationId xmlns:p14="http://schemas.microsoft.com/office/powerpoint/2010/main" val="473243326"/>
       </p:ext>
     </p:extLst>
   </p:cSld>
@@ -49308,202 +49379,7 @@
 </p:sld>
 </file>
 
-<file path=ppt/slides/slide3.xml><?xml version="1.0" encoding="utf-8"?>
-<p:sld xmlns:a="http://schemas.openxmlformats.org/drawingml/2006/main" xmlns:r="http://schemas.openxmlformats.org/officeDocument/2006/relationships" xmlns:p="http://schemas.openxmlformats.org/presentationml/2006/main">
-  <p:cSld>
-    <p:spTree>
-      <p:nvGrpSpPr>
-        <p:cNvPr id="1" name=""/>
-        <p:cNvGrpSpPr/>
-        <p:nvPr/>
-      </p:nvGrpSpPr>
-      <p:grpSpPr>
-        <a:xfrm>
-          <a:off x="0" y="0"/>
-          <a:ext cx="0" cy="0"/>
-          <a:chOff x="0" y="0"/>
-          <a:chExt cx="0" cy="0"/>
-        </a:xfrm>
-      </p:grpSpPr>
-      <p:sp>
-        <p:nvSpPr>
-          <p:cNvPr id="2" name="文本框 1"/>
-          <p:cNvSpPr txBox="1"/>
-          <p:nvPr/>
-        </p:nvSpPr>
-        <p:spPr>
-          <a:xfrm>
-            <a:off x="4157799" y="1061236"/>
-            <a:ext cx="3877985" cy="3416320"/>
-          </a:xfrm>
-          <a:prstGeom prst="rect">
-            <a:avLst/>
-          </a:prstGeom>
-          <a:noFill/>
-        </p:spPr>
-        <p:txBody>
-          <a:bodyPr wrap="none" rtlCol="0">
-            <a:spAutoFit/>
-          </a:bodyPr>
-          <a:lstStyle/>
-          <a:p>
-            <a:pPr algn="ctr"/>
-            <a:r>
-              <a:rPr kumimoji="1" lang="zh-CN" altLang="en-US" sz="7200" b="1" dirty="0">
-                <a:solidFill>
-                  <a:schemeClr val="bg1">
-                    <a:lumMod val="95000"/>
-                  </a:schemeClr>
-                </a:solidFill>
-              </a:rPr>
-              <a:t>一个</a:t>
-            </a:r>
-            <a:r>
-              <a:rPr kumimoji="1" lang="zh-CN" altLang="en-US" sz="7200" b="1" dirty="0" smtClean="0">
-                <a:solidFill>
-                  <a:schemeClr val="bg1">
-                    <a:lumMod val="95000"/>
-                  </a:schemeClr>
-                </a:solidFill>
-              </a:rPr>
-              <a:t>思想</a:t>
-            </a:r>
-            <a:endParaRPr kumimoji="1" lang="en-US" altLang="zh-CN" sz="7200" b="1" dirty="0" smtClean="0">
-              <a:solidFill>
-                <a:schemeClr val="bg1">
-                  <a:lumMod val="95000"/>
-                </a:schemeClr>
-              </a:solidFill>
-            </a:endParaRPr>
-          </a:p>
-          <a:p>
-            <a:pPr algn="ctr"/>
-            <a:r>
-              <a:rPr kumimoji="1" lang="zh-CN" altLang="en-US" sz="7200" b="1" dirty="0" smtClean="0">
-                <a:solidFill>
-                  <a:schemeClr val="bg1">
-                    <a:lumMod val="95000"/>
-                  </a:schemeClr>
-                </a:solidFill>
-              </a:rPr>
-              <a:t>一句话</a:t>
-            </a:r>
-            <a:endParaRPr kumimoji="1" lang="en-US" altLang="zh-CN" sz="7200" b="1" dirty="0" smtClean="0">
-              <a:solidFill>
-                <a:schemeClr val="bg1">
-                  <a:lumMod val="95000"/>
-                </a:schemeClr>
-              </a:solidFill>
-            </a:endParaRPr>
-          </a:p>
-          <a:p>
-            <a:pPr algn="ctr"/>
-            <a:r>
-              <a:rPr kumimoji="1" lang="zh-CN" altLang="en-US" sz="6600" b="1" dirty="0">
-                <a:solidFill>
-                  <a:schemeClr val="bg1">
-                    <a:lumMod val="95000"/>
-                  </a:schemeClr>
-                </a:solidFill>
-              </a:rPr>
-              <a:t>一本书</a:t>
-            </a:r>
-            <a:endParaRPr kumimoji="1" lang="en-US" altLang="zh-CN" sz="6600" b="1" dirty="0">
-              <a:solidFill>
-                <a:schemeClr val="bg1">
-                  <a:lumMod val="95000"/>
-                </a:schemeClr>
-              </a:solidFill>
-            </a:endParaRPr>
-          </a:p>
-        </p:txBody>
-      </p:sp>
-      <p:sp>
-        <p:nvSpPr>
-          <p:cNvPr id="5" name="矩形 4"/>
-          <p:cNvSpPr/>
-          <p:nvPr/>
-        </p:nvSpPr>
-        <p:spPr>
-          <a:xfrm>
-            <a:off x="2812021" y="1061236"/>
-            <a:ext cx="7006233" cy="3416320"/>
-          </a:xfrm>
-          <a:prstGeom prst="rect">
-            <a:avLst/>
-          </a:prstGeom>
-          <a:noFill/>
-          <a:ln w="12700" cmpd="sng">
-            <a:solidFill>
-              <a:schemeClr val="bg1">
-                <a:lumMod val="95000"/>
-              </a:schemeClr>
-            </a:solidFill>
-          </a:ln>
-          <a:effectLst/>
-        </p:spPr>
-        <p:style>
-          <a:lnRef idx="1">
-            <a:schemeClr val="accent1"/>
-          </a:lnRef>
-          <a:fillRef idx="3">
-            <a:schemeClr val="accent1"/>
-          </a:fillRef>
-          <a:effectRef idx="2">
-            <a:schemeClr val="accent1"/>
-          </a:effectRef>
-          <a:fontRef idx="minor">
-            <a:schemeClr val="lt1"/>
-          </a:fontRef>
-        </p:style>
-        <p:txBody>
-          <a:bodyPr rtlCol="0" anchor="ctr"/>
-          <a:lstStyle/>
-          <a:p>
-            <a:pPr algn="ctr"/>
-            <a:endParaRPr kumimoji="1" lang="zh-CN" altLang="en-US" sz="3200">
-              <a:solidFill>
-                <a:schemeClr val="bg1">
-                  <a:lumMod val="95000"/>
-                </a:schemeClr>
-              </a:solidFill>
-            </a:endParaRPr>
-          </a:p>
-        </p:txBody>
-      </p:sp>
-    </p:spTree>
-    <p:extLst>
-      <p:ext uri="{BB962C8B-B14F-4D97-AF65-F5344CB8AC3E}">
-        <p14:creationId xmlns:p14="http://schemas.microsoft.com/office/powerpoint/2010/main" xmlns="" val="2362171749"/>
-      </p:ext>
-    </p:extLst>
-  </p:cSld>
-  <p:clrMapOvr>
-    <a:masterClrMapping/>
-  </p:clrMapOvr>
-  <mc:AlternateContent xmlns:mc="http://schemas.openxmlformats.org/markup-compatibility/2006">
-    <mc:Choice xmlns:p14="http://schemas.microsoft.com/office/powerpoint/2010/main" xmlns="" Requires="p14">
-      <p:transition spd="slow" p14:dur="1500">
-        <p14:window dir="vert"/>
-      </p:transition>
-    </mc:Choice>
-    <mc:Fallback>
-      <p:transition spd="slow">
-        <p:fade/>
-      </p:transition>
-    </mc:Fallback>
-  </mc:AlternateContent>
-  <p:timing>
-    <p:tnLst>
-      <p:par>
-        <p:cTn id="1" dur="indefinite" restart="never" nodeType="tmRoot"/>
-      </p:par>
-    </p:tnLst>
-  </p:timing>
-</p:sld>
-</file>
-
-<file path=ppt/slides/slide30.xml><?xml version="1.0" encoding="utf-8"?>
+<file path=ppt/slides/slide31.xml><?xml version="1.0" encoding="utf-8"?>
 <p:sld xmlns:a="http://schemas.openxmlformats.org/drawingml/2006/main" xmlns:r="http://schemas.openxmlformats.org/officeDocument/2006/relationships" xmlns:p="http://schemas.openxmlformats.org/presentationml/2006/main">
   <p:cSld>
     <p:spTree>
@@ -49649,7 +49525,7 @@
         </p:nvSpPr>
         <p:spPr>
           <a:xfrm>
-            <a:off x="104172" y="1261639"/>
+            <a:off x="104172" y="1846414"/>
             <a:ext cx="11875625" cy="584775"/>
           </a:xfrm>
           <a:prstGeom prst="rect">
@@ -49665,7 +49541,11 @@
           <a:p>
             <a:r>
               <a:rPr lang="zh-CN" altLang="en-US" sz="3200" b="1" dirty="0" smtClean="0"/>
-              <a:t>强引用</a:t>
+              <a:t>强</a:t>
+            </a:r>
+            <a:r>
+              <a:rPr lang="zh-CN" altLang="en-US" sz="3200" b="1" dirty="0" smtClean="0"/>
+              <a:t>引用   天天用，还有说的必要么？   </a:t>
             </a:r>
             <a:endParaRPr lang="zh-CN" altLang="en-US" sz="3200" b="1" dirty="0"/>
           </a:p>
@@ -49679,7 +49559,7 @@
         </p:nvSpPr>
         <p:spPr>
           <a:xfrm>
-            <a:off x="104172" y="2328439"/>
+            <a:off x="104171" y="2913214"/>
             <a:ext cx="11875625" cy="584775"/>
           </a:xfrm>
           <a:prstGeom prst="rect">
@@ -49695,7 +49575,11 @@
           <a:p>
             <a:r>
               <a:rPr lang="zh-CN" altLang="en-US" sz="3200" b="1" dirty="0" smtClean="0"/>
-              <a:t>软引用</a:t>
+              <a:t>软</a:t>
+            </a:r>
+            <a:r>
+              <a:rPr lang="zh-CN" altLang="en-US" sz="3200" b="1" dirty="0" smtClean="0"/>
+              <a:t>引用   有点软，经不起风吹草动</a:t>
             </a:r>
             <a:endParaRPr lang="zh-CN" altLang="en-US" sz="3200" b="1" dirty="0"/>
           </a:p>
@@ -49709,7 +49593,7 @@
         </p:nvSpPr>
         <p:spPr>
           <a:xfrm>
-            <a:off x="104172" y="4977112"/>
+            <a:off x="104172" y="5097294"/>
             <a:ext cx="12325112" cy="584775"/>
           </a:xfrm>
           <a:prstGeom prst="rect">
@@ -49725,7 +49609,19 @@
           <a:p>
             <a:r>
               <a:rPr lang="zh-CN" altLang="en-US" sz="3200" b="1" dirty="0" smtClean="0"/>
-              <a:t>虚引用</a:t>
+              <a:t>虚</a:t>
+            </a:r>
+            <a:r>
+              <a:rPr lang="zh-CN" altLang="en-US" sz="3200" b="1" dirty="0" smtClean="0"/>
+              <a:t>引用   管理堆外内存，</a:t>
+            </a:r>
+            <a:r>
+              <a:rPr lang="en-US" altLang="zh-CN" sz="3200" b="1" dirty="0" smtClean="0"/>
+              <a:t>zero copy</a:t>
+            </a:r>
+            <a:r>
+              <a:rPr lang="zh-CN" altLang="en-US" sz="3200" b="1" dirty="0" smtClean="0"/>
+              <a:t>技术安排上</a:t>
             </a:r>
             <a:endParaRPr lang="en-US" altLang="zh-CN" sz="3200" b="1" dirty="0" smtClean="0"/>
           </a:p>
@@ -49739,7 +49635,7 @@
         </p:nvSpPr>
         <p:spPr>
           <a:xfrm>
-            <a:off x="104172" y="3671668"/>
+            <a:off x="104172" y="4095345"/>
             <a:ext cx="11875625" cy="584775"/>
           </a:xfrm>
           <a:prstGeom prst="rect">
@@ -49755,7 +49651,11 @@
           <a:p>
             <a:r>
               <a:rPr lang="zh-CN" altLang="en-US" sz="3200" b="1" dirty="0" smtClean="0"/>
-              <a:t>弱引用</a:t>
+              <a:t>弱</a:t>
+            </a:r>
+            <a:r>
+              <a:rPr lang="zh-CN" altLang="en-US" sz="3200" b="1" dirty="0" smtClean="0"/>
+              <a:t>引用   简直稀烂，一回收就凉凉</a:t>
             </a:r>
             <a:endParaRPr lang="zh-CN" altLang="en-US" sz="3200" b="1" dirty="0"/>
           </a:p>
@@ -49764,7 +49664,7 @@
     </p:spTree>
     <p:extLst>
       <p:ext uri="{BB962C8B-B14F-4D97-AF65-F5344CB8AC3E}">
-        <p14:creationId xmlns:p14="http://schemas.microsoft.com/office/powerpoint/2010/main" xmlns="" val="473243326"/>
+        <p14:creationId xmlns:p14="http://schemas.microsoft.com/office/powerpoint/2010/main" val="473243326"/>
       </p:ext>
     </p:extLst>
   </p:cSld>
@@ -49774,7 +49674,7 @@
 </p:sld>
 </file>
 
-<file path=ppt/slides/slide31.xml><?xml version="1.0" encoding="utf-8"?>
+<file path=ppt/slides/slide32.xml><?xml version="1.0" encoding="utf-8"?>
 <p:sld xmlns:a="http://schemas.openxmlformats.org/drawingml/2006/main" xmlns:r="http://schemas.openxmlformats.org/officeDocument/2006/relationships" xmlns:p="http://schemas.openxmlformats.org/presentationml/2006/main">
   <p:cSld>
     <p:spTree>
@@ -49876,7 +49776,7 @@
         <p:spPr>
           <a:xfrm>
             <a:off x="2812024" y="3707759"/>
-            <a:ext cx="6569543" cy="330283"/>
+            <a:ext cx="6569543" cy="1132939"/>
           </a:xfrm>
           <a:prstGeom prst="rect">
             <a:avLst/>
@@ -49895,7 +49795,7 @@
               </a:lnSpc>
             </a:pPr>
             <a:r>
-              <a:rPr lang="zh-CN" altLang="en-US" sz="1333" b="1" dirty="0" smtClean="0">
+              <a:rPr lang="zh-CN" altLang="en-US" sz="1800" b="1" dirty="0" smtClean="0">
                 <a:solidFill>
                   <a:schemeClr val="bg1">
                     <a:lumMod val="95000"/>
@@ -49904,13 +49804,44 @@
               </a:rPr>
               <a:t>小声嘀咕：祝大家早日财务自由，年薪百万。。。</a:t>
             </a:r>
-            <a:endParaRPr lang="en-US" altLang="zh-CN" sz="1333" b="1" dirty="0">
+            <a:endParaRPr lang="en-US" altLang="zh-CN" sz="1800" b="1" dirty="0" smtClean="0">
               <a:solidFill>
                 <a:schemeClr val="bg1">
                   <a:lumMod val="95000"/>
                 </a:schemeClr>
               </a:solidFill>
             </a:endParaRPr>
+          </a:p>
+          <a:p>
+            <a:pPr>
+              <a:lnSpc>
+                <a:spcPct val="130000"/>
+              </a:lnSpc>
+            </a:pPr>
+            <a:endParaRPr lang="en-US" altLang="zh-CN" sz="1800" b="1" dirty="0">
+              <a:solidFill>
+                <a:schemeClr val="bg1">
+                  <a:lumMod val="95000"/>
+                </a:schemeClr>
+              </a:solidFill>
+            </a:endParaRPr>
+          </a:p>
+          <a:p>
+            <a:pPr>
+              <a:lnSpc>
+                <a:spcPct val="130000"/>
+              </a:lnSpc>
+            </a:pPr>
+            <a:r>
+              <a:rPr lang="en-US" altLang="zh-CN" sz="1800" b="1" dirty="0">
+                <a:solidFill>
+                  <a:schemeClr val="bg1">
+                    <a:lumMod val="95000"/>
+                  </a:schemeClr>
+                </a:solidFill>
+              </a:rPr>
+              <a:t>git@github.com:SingASongForU/learning-projects.git</a:t>
+            </a:r>
           </a:p>
         </p:txBody>
       </p:sp>
@@ -49970,20 +49901,20 @@
     </p:spTree>
     <p:extLst>
       <p:ext uri="{BB962C8B-B14F-4D97-AF65-F5344CB8AC3E}">
-        <p14:creationId xmlns:p14="http://schemas.microsoft.com/office/powerpoint/2010/main" xmlns="" val="2873756900"/>
+        <p14:creationId xmlns:p14="http://schemas.microsoft.com/office/powerpoint/2010/main" val="2873756900"/>
       </p:ext>
     </p:extLst>
   </p:cSld>
   <p:clrMapOvr>
     <a:masterClrMapping/>
   </p:clrMapOvr>
-  <mc:AlternateContent xmlns:mc="http://schemas.openxmlformats.org/markup-compatibility/2006">
-    <mc:Choice xmlns:p14="http://schemas.microsoft.com/office/powerpoint/2010/main" xmlns="" Requires="p14">
+  <mc:AlternateContent xmlns:mc="http://schemas.openxmlformats.org/markup-compatibility/2006" xmlns:p14="http://schemas.microsoft.com/office/powerpoint/2010/main">
+    <mc:Choice Requires="p14">
       <p:transition spd="slow" p14:dur="800">
         <p14:flythrough/>
       </p:transition>
     </mc:Choice>
-    <mc:Fallback>
+    <mc:Fallback xmlns="">
       <p:transition spd="slow">
         <p:fade/>
       </p:transition>
@@ -50114,27 +50045,7 @@
                   </a:schemeClr>
                 </a:solidFill>
               </a:rPr>
-              <a:t>Platform Software</a:t>
-            </a:r>
-            <a:r>
-              <a:rPr lang="en-US" altLang="zh-CN" sz="1333" dirty="0">
-                <a:solidFill>
-                  <a:schemeClr val="bg1">
-                    <a:lumMod val="95000"/>
-                  </a:schemeClr>
-                </a:solidFill>
-              </a:rPr>
-              <a:t>, </a:t>
-            </a:r>
-            <a:r>
-              <a:rPr lang="en-US" altLang="zh-CN" sz="1333" dirty="0" smtClean="0">
-                <a:solidFill>
-                  <a:schemeClr val="bg1">
-                    <a:lumMod val="95000"/>
-                  </a:schemeClr>
-                </a:solidFill>
-              </a:rPr>
-              <a:t>born to be proud.</a:t>
+              <a:t>Smartisan T1, born to be proud.</a:t>
             </a:r>
             <a:endParaRPr lang="en-US" altLang="zh-CN" sz="1333" dirty="0">
               <a:solidFill>
@@ -50202,20 +50113,20 @@
     </p:spTree>
     <p:extLst>
       <p:ext uri="{BB962C8B-B14F-4D97-AF65-F5344CB8AC3E}">
-        <p14:creationId xmlns:p14="http://schemas.microsoft.com/office/powerpoint/2010/main" xmlns="" val="2042718449"/>
+        <p14:creationId xmlns:p14="http://schemas.microsoft.com/office/powerpoint/2010/main" val="2042718449"/>
       </p:ext>
     </p:extLst>
   </p:cSld>
   <p:clrMapOvr>
     <a:masterClrMapping/>
   </p:clrMapOvr>
-  <mc:AlternateContent xmlns:mc="http://schemas.openxmlformats.org/markup-compatibility/2006">
-    <mc:Choice xmlns:p14="http://schemas.microsoft.com/office/powerpoint/2010/main" xmlns="" Requires="p14">
+  <mc:AlternateContent xmlns:mc="http://schemas.openxmlformats.org/markup-compatibility/2006" xmlns:p14="http://schemas.microsoft.com/office/powerpoint/2010/main">
+    <mc:Choice Requires="p14">
       <p:transition spd="slow" p14:dur="1500">
         <p14:window dir="vert"/>
       </p:transition>
     </mc:Choice>
-    <mc:Fallback>
+    <mc:Fallback xmlns="">
       <p:transition spd="slow">
         <p:fade/>
       </p:transition>
@@ -50548,20 +50459,20 @@
     </p:spTree>
     <p:extLst>
       <p:ext uri="{BB962C8B-B14F-4D97-AF65-F5344CB8AC3E}">
-        <p14:creationId xmlns:p14="http://schemas.microsoft.com/office/powerpoint/2010/main" xmlns="" val="3841993052"/>
+        <p14:creationId xmlns:p14="http://schemas.microsoft.com/office/powerpoint/2010/main" val="3841993052"/>
       </p:ext>
     </p:extLst>
   </p:cSld>
   <p:clrMapOvr>
     <a:masterClrMapping/>
   </p:clrMapOvr>
-  <mc:AlternateContent xmlns:mc="http://schemas.openxmlformats.org/markup-compatibility/2006">
-    <mc:Choice xmlns:p14="http://schemas.microsoft.com/office/powerpoint/2010/main" xmlns="" Requires="p14">
+  <mc:AlternateContent xmlns:mc="http://schemas.openxmlformats.org/markup-compatibility/2006" xmlns:p14="http://schemas.microsoft.com/office/powerpoint/2010/main">
+    <mc:Choice Requires="p14">
       <p:transition spd="slow" p14:dur="1500">
         <p14:window dir="vert"/>
       </p:transition>
     </mc:Choice>
-    <mc:Fallback>
+    <mc:Fallback xmlns="">
       <p:transition spd="slow">
         <p:fade/>
       </p:transition>
@@ -50763,20 +50674,20 @@
     </p:spTree>
     <p:extLst>
       <p:ext uri="{BB962C8B-B14F-4D97-AF65-F5344CB8AC3E}">
-        <p14:creationId xmlns:p14="http://schemas.microsoft.com/office/powerpoint/2010/main" xmlns="" val="3841993052"/>
+        <p14:creationId xmlns:p14="http://schemas.microsoft.com/office/powerpoint/2010/main" val="3841993052"/>
       </p:ext>
     </p:extLst>
   </p:cSld>
   <p:clrMapOvr>
     <a:masterClrMapping/>
   </p:clrMapOvr>
-  <mc:AlternateContent xmlns:mc="http://schemas.openxmlformats.org/markup-compatibility/2006">
-    <mc:Choice xmlns:p14="http://schemas.microsoft.com/office/powerpoint/2010/main" xmlns="" Requires="p14">
+  <mc:AlternateContent xmlns:mc="http://schemas.openxmlformats.org/markup-compatibility/2006" xmlns:p14="http://schemas.microsoft.com/office/powerpoint/2010/main">
+    <mc:Choice Requires="p14">
       <p:transition spd="slow" p14:dur="1500">
         <p14:window dir="vert"/>
       </p:transition>
     </mc:Choice>
-    <mc:Fallback>
+    <mc:Fallback xmlns="">
       <p:transition spd="slow">
         <p:fade/>
       </p:transition>
@@ -51134,20 +51045,20 @@
     </p:spTree>
     <p:extLst>
       <p:ext uri="{BB962C8B-B14F-4D97-AF65-F5344CB8AC3E}">
-        <p14:creationId xmlns:p14="http://schemas.microsoft.com/office/powerpoint/2010/main" xmlns="" val="3062097823"/>
+        <p14:creationId xmlns:p14="http://schemas.microsoft.com/office/powerpoint/2010/main" val="3062097823"/>
       </p:ext>
     </p:extLst>
   </p:cSld>
   <p:clrMapOvr>
     <a:masterClrMapping/>
   </p:clrMapOvr>
-  <mc:AlternateContent xmlns:mc="http://schemas.openxmlformats.org/markup-compatibility/2006">
-    <mc:Choice xmlns:p14="http://schemas.microsoft.com/office/powerpoint/2010/main" xmlns="" Requires="p14">
+  <mc:AlternateContent xmlns:mc="http://schemas.openxmlformats.org/markup-compatibility/2006" xmlns:p14="http://schemas.microsoft.com/office/powerpoint/2010/main">
+    <mc:Choice Requires="p14">
       <p:transition spd="slow" p14:dur="1600">
         <p14:conveyor dir="l"/>
       </p:transition>
     </mc:Choice>
-    <mc:Fallback>
+    <mc:Fallback xmlns="">
       <p:transition spd="slow">
         <p:fade/>
       </p:transition>
@@ -51330,20 +51241,20 @@
     </p:spTree>
     <p:extLst>
       <p:ext uri="{BB962C8B-B14F-4D97-AF65-F5344CB8AC3E}">
-        <p14:creationId xmlns:p14="http://schemas.microsoft.com/office/powerpoint/2010/main" xmlns="" val="3152359928"/>
+        <p14:creationId xmlns:p14="http://schemas.microsoft.com/office/powerpoint/2010/main" val="3152359928"/>
       </p:ext>
     </p:extLst>
   </p:cSld>
   <p:clrMapOvr>
     <a:masterClrMapping/>
   </p:clrMapOvr>
-  <mc:AlternateContent xmlns:mc="http://schemas.openxmlformats.org/markup-compatibility/2006">
-    <mc:Choice xmlns:p14="http://schemas.microsoft.com/office/powerpoint/2010/main" xmlns="" Requires="p14">
+  <mc:AlternateContent xmlns:mc="http://schemas.openxmlformats.org/markup-compatibility/2006" xmlns:p14="http://schemas.microsoft.com/office/powerpoint/2010/main">
+    <mc:Choice Requires="p14">
       <p:transition spd="slow" p14:dur="800">
         <p14:flythrough/>
       </p:transition>
     </mc:Choice>
-    <mc:Fallback>
+    <mc:Fallback xmlns="">
       <p:transition spd="slow">
         <p:fade/>
       </p:transition>
@@ -52187,7 +52098,7 @@
               <a:t>了解</a:t>
             </a:r>
             <a:r>
-              <a:rPr lang="en-US" altLang="zh-CN" sz="1600" kern="0" dirty="0" err="1" smtClean="0">
+              <a:rPr lang="en-US" altLang="zh-CN" sz="1600" kern="0" dirty="0" smtClean="0">
                 <a:solidFill>
                   <a:srgbClr val="1F1F1F"/>
                 </a:solidFill>
@@ -52203,7 +52114,7 @@
               <a:t>吗？你知道</a:t>
             </a:r>
             <a:r>
-              <a:rPr lang="en-US" altLang="zh-CN" sz="1600" kern="0" dirty="0" err="1" smtClean="0">
+              <a:rPr lang="en-US" altLang="zh-CN" sz="1600" kern="0" dirty="0" smtClean="0">
                 <a:solidFill>
                   <a:srgbClr val="1F1F1F"/>
                 </a:solidFill>
@@ -52245,20 +52156,20 @@
     </p:spTree>
     <p:extLst>
       <p:ext uri="{BB962C8B-B14F-4D97-AF65-F5344CB8AC3E}">
-        <p14:creationId xmlns:p14="http://schemas.microsoft.com/office/powerpoint/2010/main" xmlns="" val="1962750787"/>
+        <p14:creationId xmlns:p14="http://schemas.microsoft.com/office/powerpoint/2010/main" val="1962750787"/>
       </p:ext>
     </p:extLst>
   </p:cSld>
   <p:clrMapOvr>
     <a:masterClrMapping/>
   </p:clrMapOvr>
-  <mc:AlternateContent xmlns:mc="http://schemas.openxmlformats.org/markup-compatibility/2006">
-    <mc:Choice xmlns:p14="http://schemas.microsoft.com/office/powerpoint/2010/main" xmlns="" Requires="p14">
+  <mc:AlternateContent xmlns:mc="http://schemas.openxmlformats.org/markup-compatibility/2006" xmlns:p14="http://schemas.microsoft.com/office/powerpoint/2010/main">
+    <mc:Choice Requires="p14">
       <p:transition spd="med" p14:dur="700">
         <p:fade/>
       </p:transition>
     </mc:Choice>
-    <mc:Fallback>
+    <mc:Fallback xmlns="">
       <p:transition spd="med">
         <p:fade/>
       </p:transition>
@@ -52849,19 +52760,19 @@
   <a:extraClrSchemeLst/>
   <a:extLst>
     <a:ext uri="{05A4C25C-085E-4340-85A3-A5531E510DB2}">
-      <thm15:themeFamily xmlns:thm15="http://schemas.microsoft.com/office/thememl/2012/main" xmlns="" name="Office Theme" id="{62F939B6-93AF-4DB8-9C6B-D6C7DFDC589F}" vid="{4A3C46E8-61CC-4603-A589-7422A47A8E4A}"/>
+      <thm15:themeFamily xmlns:thm15="http://schemas.microsoft.com/office/thememl/2012/main" name="Office Theme" id="{62F939B6-93AF-4DB8-9C6B-D6C7DFDC589F}" vid="{4A3C46E8-61CC-4603-A589-7422A47A8E4A}"/>
     </a:ext>
   </a:extLst>
 </a:theme>
 </file>
 
 <file path=customXml/item1.xml><?xml version="1.0" encoding="utf-8"?>
-<p:properties xmlns:p="http://schemas.microsoft.com/office/2006/metadata/properties" xmlns:xsi="http://www.w3.org/2001/XMLSchema-instance" xmlns:pc="http://schemas.microsoft.com/office/infopath/2007/PartnerControls">
-  <documentManagement>
-    <_Version xmlns="http://schemas.microsoft.com/sharepoint/v3/fields" xsi:nil="true"/>
-    <_Status xmlns="http://schemas.microsoft.com/sharepoint/v3/fields">Not Started</_Status>
-  </documentManagement>
-</p:properties>
+<?mso-contentType ?>
+<FormTemplates xmlns="http://schemas.microsoft.com/sharepoint/v3/contenttype/forms">
+  <Display>DocumentLibraryForm</Display>
+  <Edit>DocumentLibraryForm</Edit>
+  <New>DocumentLibraryForm</New>
+</FormTemplates>
 </file>
 
 <file path=customXml/item2.xml><?xml version="1.0" encoding="utf-8"?>
@@ -53009,20 +52920,18 @@
 </file>
 
 <file path=customXml/item3.xml><?xml version="1.0" encoding="utf-8"?>
-<?mso-contentType ?>
-<FormTemplates xmlns="http://schemas.microsoft.com/sharepoint/v3/contenttype/forms">
-  <Display>DocumentLibraryForm</Display>
-  <Edit>DocumentLibraryForm</Edit>
-  <New>DocumentLibraryForm</New>
-</FormTemplates>
+<p:properties xmlns:p="http://schemas.microsoft.com/office/2006/metadata/properties" xmlns:xsi="http://www.w3.org/2001/XMLSchema-instance" xmlns:pc="http://schemas.microsoft.com/office/infopath/2007/PartnerControls">
+  <documentManagement>
+    <_Version xmlns="http://schemas.microsoft.com/sharepoint/v3/fields" xsi:nil="true"/>
+    <_Status xmlns="http://schemas.microsoft.com/sharepoint/v3/fields">Not Started</_Status>
+  </documentManagement>
+</p:properties>
 </file>
 
 <file path=customXml/itemProps1.xml><?xml version="1.0" encoding="utf-8"?>
-<ds:datastoreItem xmlns:ds="http://schemas.openxmlformats.org/officeDocument/2006/customXml" ds:itemID="{7B6F2769-7194-4217-93D3-3AF3A4742282}">
+<ds:datastoreItem xmlns:ds="http://schemas.openxmlformats.org/officeDocument/2006/customXml" ds:itemID="{87D2A1B0-FF3E-4009-940D-AED0EB70AA20}">
   <ds:schemaRefs>
-    <ds:schemaRef ds:uri="http://schemas.microsoft.com/office/2006/metadata/properties"/>
-    <ds:schemaRef ds:uri="http://schemas.microsoft.com/office/infopath/2007/PartnerControls"/>
-    <ds:schemaRef ds:uri="http://schemas.microsoft.com/sharepoint/v3/fields"/>
+    <ds:schemaRef ds:uri="http://schemas.microsoft.com/sharepoint/v3/contenttype/forms"/>
   </ds:schemaRefs>
 </ds:datastoreItem>
 </file>
@@ -53046,9 +52955,11 @@
 </file>
 
 <file path=customXml/itemProps3.xml><?xml version="1.0" encoding="utf-8"?>
-<ds:datastoreItem xmlns:ds="http://schemas.openxmlformats.org/officeDocument/2006/customXml" ds:itemID="{87D2A1B0-FF3E-4009-940D-AED0EB70AA20}">
+<ds:datastoreItem xmlns:ds="http://schemas.openxmlformats.org/officeDocument/2006/customXml" ds:itemID="{7B6F2769-7194-4217-93D3-3AF3A4742282}">
   <ds:schemaRefs>
-    <ds:schemaRef ds:uri="http://schemas.microsoft.com/sharepoint/v3/contenttype/forms"/>
+    <ds:schemaRef ds:uri="http://schemas.microsoft.com/office/2006/metadata/properties"/>
+    <ds:schemaRef ds:uri="http://schemas.microsoft.com/office/infopath/2007/PartnerControls"/>
+    <ds:schemaRef ds:uri="http://schemas.microsoft.com/sharepoint/v3/fields"/>
   </ds:schemaRefs>
 </ds:datastoreItem>
 </file>